--- a/Assicurazioni/Analisi e progettazione del Software_ita.pptx
+++ b/Assicurazioni/Analisi e progettazione del Software_ita.pptx
@@ -5,7 +5,7 @@
     <p:sldMasterId id="2147483648" r:id="rId5"/>
   </p:sldMasterIdLst>
   <p:notesMasterIdLst>
-    <p:notesMasterId r:id="rId13"/>
+    <p:notesMasterId r:id="rId18"/>
   </p:notesMasterIdLst>
   <p:sldIdLst>
     <p:sldId id="256" r:id="rId6"/>
@@ -14,7 +14,12 @@
     <p:sldId id="367" r:id="rId9"/>
     <p:sldId id="368" r:id="rId10"/>
     <p:sldId id="369" r:id="rId11"/>
-    <p:sldId id="343" r:id="rId12"/>
+    <p:sldId id="370" r:id="rId12"/>
+    <p:sldId id="371" r:id="rId13"/>
+    <p:sldId id="372" r:id="rId14"/>
+    <p:sldId id="373" r:id="rId15"/>
+    <p:sldId id="374" r:id="rId16"/>
+    <p:sldId id="343" r:id="rId17"/>
   </p:sldIdLst>
   <p:sldSz cx="12192000" cy="6858000"/>
   <p:notesSz cx="6858000" cy="9144000"/>
@@ -272,7 +277,7 @@
               <a:pPr>
                 <a:defRPr/>
               </a:pPr>
-              <a:t>3/27/2023</a:t>
+              <a:t>4/4/2023</a:t>
             </a:fld>
             <a:endParaRPr lang="en-US"/>
           </a:p>
@@ -6793,6 +6798,946 @@
 </p:sld>
 </file>
 
+<file path=ppt/slides/slide10.xml><?xml version="1.0" encoding="utf-8"?>
+<p:sld xmlns:a="http://schemas.openxmlformats.org/drawingml/2006/main" xmlns:r="http://schemas.openxmlformats.org/officeDocument/2006/relationships" xmlns:p="http://schemas.openxmlformats.org/presentationml/2006/main">
+  <p:cSld>
+    <p:spTree>
+      <p:nvGrpSpPr>
+        <p:cNvPr id="1" name=""/>
+        <p:cNvGrpSpPr/>
+        <p:nvPr/>
+      </p:nvGrpSpPr>
+      <p:grpSpPr>
+        <a:xfrm>
+          <a:off x="0" y="0"/>
+          <a:ext cx="0" cy="0"/>
+          <a:chOff x="0" y="0"/>
+          <a:chExt cx="0" cy="0"/>
+        </a:xfrm>
+      </p:grpSpPr>
+      <p:sp>
+        <p:nvSpPr>
+          <p:cNvPr id="2" name="Segnaposto testo 1">
+            <a:extLst>
+              <a:ext uri="{FF2B5EF4-FFF2-40B4-BE49-F238E27FC236}">
+                <a16:creationId xmlns:a16="http://schemas.microsoft.com/office/drawing/2014/main" id="{E5AE986C-196F-4141-A898-FA4C4198CDCC}"/>
+              </a:ext>
+            </a:extLst>
+          </p:cNvPr>
+          <p:cNvSpPr>
+            <a:spLocks noGrp="1"/>
+          </p:cNvSpPr>
+          <p:nvPr>
+            <p:ph type="body" idx="1"/>
+          </p:nvPr>
+        </p:nvSpPr>
+        <p:spPr>
+          <a:xfrm>
+            <a:off x="825119" y="1523302"/>
+            <a:ext cx="9639681" cy="4392612"/>
+          </a:xfrm>
+        </p:spPr>
+        <p:txBody>
+          <a:bodyPr/>
+          <a:lstStyle/>
+          <a:p>
+            <a:pPr marL="342900" indent="-342900" algn="l" fontAlgn="base">
+              <a:buFont typeface="Wingdings" panose="05000000000000000000" pitchFamily="2" charset="2"/>
+              <a:buChar char="ü"/>
+            </a:pPr>
+            <a:r>
+              <a:rPr lang="it-IT" sz="2400">
+                <a:solidFill>
+                  <a:srgbClr val="202122"/>
+                </a:solidFill>
+                <a:latin typeface="Tahoma" panose="020B0604030504040204" pitchFamily="34" charset="0"/>
+                <a:ea typeface="Tahoma" panose="020B0604030504040204" pitchFamily="34" charset="0"/>
+                <a:cs typeface="Tahoma" panose="020B0604030504040204" pitchFamily="34" charset="0"/>
+              </a:rPr>
+              <a:t>Un buon </a:t>
+            </a:r>
+            <a:r>
+              <a:rPr lang="it-IT" sz="2400" b="1">
+                <a:solidFill>
+                  <a:srgbClr val="202122"/>
+                </a:solidFill>
+                <a:latin typeface="Tahoma" panose="020B0604030504040204" pitchFamily="34" charset="0"/>
+                <a:ea typeface="Tahoma" panose="020B0604030504040204" pitchFamily="34" charset="0"/>
+                <a:cs typeface="Tahoma" panose="020B0604030504040204" pitchFamily="34" charset="0"/>
+              </a:rPr>
+              <a:t>modello</a:t>
+            </a:r>
+            <a:r>
+              <a:rPr lang="it-IT" sz="2400">
+                <a:solidFill>
+                  <a:srgbClr val="202122"/>
+                </a:solidFill>
+                <a:latin typeface="Tahoma" panose="020B0604030504040204" pitchFamily="34" charset="0"/>
+                <a:ea typeface="Tahoma" panose="020B0604030504040204" pitchFamily="34" charset="0"/>
+                <a:cs typeface="Tahoma" panose="020B0604030504040204" pitchFamily="34" charset="0"/>
+              </a:rPr>
+              <a:t> include almeno quattro viste: </a:t>
+            </a:r>
+          </a:p>
+          <a:p>
+            <a:pPr lvl="1" algn="just"/>
+            <a:r>
+              <a:rPr lang="it-IT" sz="2600" b="0">
+                <a:solidFill>
+                  <a:srgbClr val="202122"/>
+                </a:solidFill>
+                <a:latin typeface="Tahoma" panose="020B0604030504040204" pitchFamily="34" charset="0"/>
+                <a:ea typeface="Tahoma" panose="020B0604030504040204" pitchFamily="34" charset="0"/>
+                <a:cs typeface="Tahoma" panose="020B0604030504040204" pitchFamily="34" charset="0"/>
+              </a:rPr>
+              <a:t>– Vista di </a:t>
+            </a:r>
+            <a:r>
+              <a:rPr lang="it-IT" sz="2600">
+                <a:solidFill>
+                  <a:srgbClr val="202122"/>
+                </a:solidFill>
+                <a:latin typeface="Tahoma" panose="020B0604030504040204" pitchFamily="34" charset="0"/>
+                <a:ea typeface="Tahoma" panose="020B0604030504040204" pitchFamily="34" charset="0"/>
+                <a:cs typeface="Tahoma" panose="020B0604030504040204" pitchFamily="34" charset="0"/>
+              </a:rPr>
+              <a:t>Contesto</a:t>
+            </a:r>
+            <a:r>
+              <a:rPr lang="it-IT" sz="2600" b="0">
+                <a:solidFill>
+                  <a:srgbClr val="202122"/>
+                </a:solidFill>
+                <a:latin typeface="Tahoma" panose="020B0604030504040204" pitchFamily="34" charset="0"/>
+                <a:ea typeface="Tahoma" panose="020B0604030504040204" pitchFamily="34" charset="0"/>
+                <a:cs typeface="Tahoma" panose="020B0604030504040204" pitchFamily="34" charset="0"/>
+              </a:rPr>
+              <a:t> (dell’ambito di uso o scopo) </a:t>
+            </a:r>
+          </a:p>
+          <a:p>
+            <a:pPr lvl="1" algn="just"/>
+            <a:r>
+              <a:rPr lang="it-IT" sz="2600" b="0">
+                <a:solidFill>
+                  <a:srgbClr val="202122"/>
+                </a:solidFill>
+                <a:latin typeface="Tahoma" panose="020B0604030504040204" pitchFamily="34" charset="0"/>
+                <a:ea typeface="Tahoma" panose="020B0604030504040204" pitchFamily="34" charset="0"/>
+                <a:cs typeface="Tahoma" panose="020B0604030504040204" pitchFamily="34" charset="0"/>
+              </a:rPr>
+              <a:t>– Vista </a:t>
+            </a:r>
+            <a:r>
+              <a:rPr lang="it-IT" sz="2600">
+                <a:solidFill>
+                  <a:srgbClr val="202122"/>
+                </a:solidFill>
+                <a:latin typeface="Tahoma" panose="020B0604030504040204" pitchFamily="34" charset="0"/>
+                <a:ea typeface="Tahoma" panose="020B0604030504040204" pitchFamily="34" charset="0"/>
+                <a:cs typeface="Tahoma" panose="020B0604030504040204" pitchFamily="34" charset="0"/>
+              </a:rPr>
+              <a:t>Funzionale</a:t>
+            </a:r>
+            <a:r>
+              <a:rPr lang="it-IT" sz="2600" b="0">
+                <a:solidFill>
+                  <a:srgbClr val="202122"/>
+                </a:solidFill>
+                <a:latin typeface="Tahoma" panose="020B0604030504040204" pitchFamily="34" charset="0"/>
+                <a:ea typeface="Tahoma" panose="020B0604030504040204" pitchFamily="34" charset="0"/>
+                <a:cs typeface="Tahoma" panose="020B0604030504040204" pitchFamily="34" charset="0"/>
+              </a:rPr>
+              <a:t> (compiti in relazione allo scopo) </a:t>
+            </a:r>
+          </a:p>
+          <a:p>
+            <a:pPr lvl="1" algn="just"/>
+            <a:r>
+              <a:rPr lang="it-IT" sz="2600" b="0">
+                <a:solidFill>
+                  <a:srgbClr val="202122"/>
+                </a:solidFill>
+                <a:latin typeface="Tahoma" panose="020B0604030504040204" pitchFamily="34" charset="0"/>
+                <a:ea typeface="Tahoma" panose="020B0604030504040204" pitchFamily="34" charset="0"/>
+                <a:cs typeface="Tahoma" panose="020B0604030504040204" pitchFamily="34" charset="0"/>
+              </a:rPr>
+              <a:t>– Vista </a:t>
+            </a:r>
+            <a:r>
+              <a:rPr lang="it-IT" sz="2600">
+                <a:solidFill>
+                  <a:srgbClr val="202122"/>
+                </a:solidFill>
+                <a:latin typeface="Tahoma" panose="020B0604030504040204" pitchFamily="34" charset="0"/>
+                <a:ea typeface="Tahoma" panose="020B0604030504040204" pitchFamily="34" charset="0"/>
+                <a:cs typeface="Tahoma" panose="020B0604030504040204" pitchFamily="34" charset="0"/>
+              </a:rPr>
+              <a:t>Strutturale</a:t>
+            </a:r>
+            <a:r>
+              <a:rPr lang="it-IT" sz="2600" b="0">
+                <a:solidFill>
+                  <a:srgbClr val="202122"/>
+                </a:solidFill>
+                <a:latin typeface="Tahoma" panose="020B0604030504040204" pitchFamily="34" charset="0"/>
+                <a:ea typeface="Tahoma" panose="020B0604030504040204" pitchFamily="34" charset="0"/>
+                <a:cs typeface="Tahoma" panose="020B0604030504040204" pitchFamily="34" charset="0"/>
+              </a:rPr>
+              <a:t> (elementi e relazioni tra gli oggetti) </a:t>
+            </a:r>
+          </a:p>
+          <a:p>
+            <a:pPr lvl="1" algn="just"/>
+            <a:r>
+              <a:rPr lang="it-IT" sz="2600" b="0">
+                <a:solidFill>
+                  <a:srgbClr val="202122"/>
+                </a:solidFill>
+                <a:latin typeface="Tahoma" panose="020B0604030504040204" pitchFamily="34" charset="0"/>
+                <a:ea typeface="Tahoma" panose="020B0604030504040204" pitchFamily="34" charset="0"/>
+                <a:cs typeface="Tahoma" panose="020B0604030504040204" pitchFamily="34" charset="0"/>
+              </a:rPr>
+              <a:t>– Vista </a:t>
+            </a:r>
+            <a:r>
+              <a:rPr lang="it-IT" sz="2600">
+                <a:solidFill>
+                  <a:srgbClr val="202122"/>
+                </a:solidFill>
+                <a:latin typeface="Tahoma" panose="020B0604030504040204" pitchFamily="34" charset="0"/>
+                <a:ea typeface="Tahoma" panose="020B0604030504040204" pitchFamily="34" charset="0"/>
+                <a:cs typeface="Tahoma" panose="020B0604030504040204" pitchFamily="34" charset="0"/>
+              </a:rPr>
+              <a:t>Comportamentale</a:t>
+            </a:r>
+            <a:r>
+              <a:rPr lang="it-IT" sz="2600" b="0">
+                <a:solidFill>
+                  <a:srgbClr val="202122"/>
+                </a:solidFill>
+                <a:latin typeface="Tahoma" panose="020B0604030504040204" pitchFamily="34" charset="0"/>
+                <a:ea typeface="Tahoma" panose="020B0604030504040204" pitchFamily="34" charset="0"/>
+                <a:cs typeface="Tahoma" panose="020B0604030504040204" pitchFamily="34" charset="0"/>
+              </a:rPr>
+              <a:t> (dinamica e interazioni) </a:t>
+            </a:r>
+          </a:p>
+        </p:txBody>
+      </p:sp>
+      <p:sp>
+        <p:nvSpPr>
+          <p:cNvPr id="7" name="Segnaposto numero diapositiva 6">
+            <a:extLst>
+              <a:ext uri="{FF2B5EF4-FFF2-40B4-BE49-F238E27FC236}">
+                <a16:creationId xmlns:a16="http://schemas.microsoft.com/office/drawing/2014/main" id="{AB740BE9-E218-4144-BFDE-AE473D230A3D}"/>
+              </a:ext>
+            </a:extLst>
+          </p:cNvPr>
+          <p:cNvSpPr>
+            <a:spLocks noGrp="1"/>
+          </p:cNvSpPr>
+          <p:nvPr>
+            <p:ph type="sldNum" sz="quarter" idx="12"/>
+          </p:nvPr>
+        </p:nvSpPr>
+        <p:spPr/>
+        <p:txBody>
+          <a:bodyPr/>
+          <a:lstStyle/>
+          <a:p>
+            <a:pPr>
+              <a:defRPr/>
+            </a:pPr>
+            <a:fld id="{48B4153A-D4C5-4CEF-8992-0D8815C829E3}" type="slidenum">
+              <a:rPr lang="en-US" smtClean="0"/>
+              <a:pPr>
+                <a:defRPr/>
+              </a:pPr>
+              <a:t>10</a:t>
+            </a:fld>
+            <a:endParaRPr lang="en-US" dirty="0"/>
+          </a:p>
+        </p:txBody>
+      </p:sp>
+      <p:sp>
+        <p:nvSpPr>
+          <p:cNvPr id="6" name="Titolo 4">
+            <a:extLst>
+              <a:ext uri="{FF2B5EF4-FFF2-40B4-BE49-F238E27FC236}">
+                <a16:creationId xmlns:a16="http://schemas.microsoft.com/office/drawing/2014/main" id="{CF9A4806-60B4-80DC-1F76-D2EB3E6C376B}"/>
+              </a:ext>
+            </a:extLst>
+          </p:cNvPr>
+          <p:cNvSpPr>
+            <a:spLocks noGrp="1"/>
+          </p:cNvSpPr>
+          <p:nvPr>
+            <p:ph type="title"/>
+          </p:nvPr>
+        </p:nvSpPr>
+        <p:spPr>
+          <a:xfrm>
+            <a:off x="574294" y="460775"/>
+            <a:ext cx="11269662" cy="769441"/>
+          </a:xfrm>
+        </p:spPr>
+        <p:txBody>
+          <a:bodyPr/>
+          <a:lstStyle/>
+          <a:p>
+            <a:r>
+              <a:rPr lang="it-IT">
+                <a:solidFill>
+                  <a:schemeClr val="tx1"/>
+                </a:solidFill>
+                <a:latin typeface="Tahoma" panose="020B0604030504040204" pitchFamily="34" charset="0"/>
+                <a:ea typeface="Tahoma" panose="020B0604030504040204" pitchFamily="34" charset="0"/>
+                <a:cs typeface="Tahoma" panose="020B0604030504040204" pitchFamily="34" charset="0"/>
+              </a:rPr>
+              <a:t>I modelli del sw richiedono più viste</a:t>
+            </a:r>
+            <a:br>
+              <a:rPr lang="it-IT">
+                <a:solidFill>
+                  <a:schemeClr val="tx1"/>
+                </a:solidFill>
+                <a:latin typeface="Tahoma" panose="020B0604030504040204" pitchFamily="34" charset="0"/>
+                <a:ea typeface="Tahoma" panose="020B0604030504040204" pitchFamily="34" charset="0"/>
+                <a:cs typeface="Tahoma" panose="020B0604030504040204" pitchFamily="34" charset="0"/>
+              </a:rPr>
+            </a:br>
+            <a:endParaRPr lang="it-IT" dirty="0">
+              <a:solidFill>
+                <a:schemeClr val="tx1"/>
+              </a:solidFill>
+              <a:latin typeface="Tahoma" panose="020B0604030504040204" pitchFamily="34" charset="0"/>
+              <a:ea typeface="Tahoma" panose="020B0604030504040204" pitchFamily="34" charset="0"/>
+              <a:cs typeface="Tahoma" panose="020B0604030504040204" pitchFamily="34" charset="0"/>
+            </a:endParaRPr>
+          </a:p>
+        </p:txBody>
+      </p:sp>
+      <p:pic>
+        <p:nvPicPr>
+          <p:cNvPr id="5" name="Immagine 4">
+            <a:extLst>
+              <a:ext uri="{FF2B5EF4-FFF2-40B4-BE49-F238E27FC236}">
+                <a16:creationId xmlns:a16="http://schemas.microsoft.com/office/drawing/2014/main" id="{26498466-3F1E-0EC0-3068-E409C9320300}"/>
+              </a:ext>
+            </a:extLst>
+          </p:cNvPr>
+          <p:cNvPicPr>
+            <a:picLocks noChangeAspect="1"/>
+          </p:cNvPicPr>
+          <p:nvPr/>
+        </p:nvPicPr>
+        <p:blipFill>
+          <a:blip r:embed="rId2"/>
+          <a:stretch>
+            <a:fillRect/>
+          </a:stretch>
+        </p:blipFill>
+        <p:spPr>
+          <a:xfrm>
+            <a:off x="2596958" y="4408487"/>
+            <a:ext cx="8032941" cy="2171404"/>
+          </a:xfrm>
+          <a:prstGeom prst="rect">
+            <a:avLst/>
+          </a:prstGeom>
+        </p:spPr>
+      </p:pic>
+    </p:spTree>
+    <p:extLst>
+      <p:ext uri="{BB962C8B-B14F-4D97-AF65-F5344CB8AC3E}">
+        <p14:creationId xmlns:p14="http://schemas.microsoft.com/office/powerpoint/2010/main" val="511182795"/>
+      </p:ext>
+    </p:extLst>
+  </p:cSld>
+  <p:clrMapOvr>
+    <a:masterClrMapping/>
+  </p:clrMapOvr>
+</p:sld>
+</file>
+
+<file path=ppt/slides/slide11.xml><?xml version="1.0" encoding="utf-8"?>
+<p:sld xmlns:a="http://schemas.openxmlformats.org/drawingml/2006/main" xmlns:r="http://schemas.openxmlformats.org/officeDocument/2006/relationships" xmlns:p="http://schemas.openxmlformats.org/presentationml/2006/main">
+  <p:cSld>
+    <p:spTree>
+      <p:nvGrpSpPr>
+        <p:cNvPr id="1" name=""/>
+        <p:cNvGrpSpPr/>
+        <p:nvPr/>
+      </p:nvGrpSpPr>
+      <p:grpSpPr>
+        <a:xfrm>
+          <a:off x="0" y="0"/>
+          <a:ext cx="0" cy="0"/>
+          <a:chOff x="0" y="0"/>
+          <a:chExt cx="0" cy="0"/>
+        </a:xfrm>
+      </p:grpSpPr>
+      <p:sp>
+        <p:nvSpPr>
+          <p:cNvPr id="2" name="Segnaposto testo 1">
+            <a:extLst>
+              <a:ext uri="{FF2B5EF4-FFF2-40B4-BE49-F238E27FC236}">
+                <a16:creationId xmlns:a16="http://schemas.microsoft.com/office/drawing/2014/main" id="{E5AE986C-196F-4141-A898-FA4C4198CDCC}"/>
+              </a:ext>
+            </a:extLst>
+          </p:cNvPr>
+          <p:cNvSpPr>
+            <a:spLocks noGrp="1"/>
+          </p:cNvSpPr>
+          <p:nvPr>
+            <p:ph type="body" idx="1"/>
+          </p:nvPr>
+        </p:nvSpPr>
+        <p:spPr>
+          <a:xfrm>
+            <a:off x="1104519" y="1230216"/>
+            <a:ext cx="9639681" cy="4392612"/>
+          </a:xfrm>
+        </p:spPr>
+        <p:txBody>
+          <a:bodyPr/>
+          <a:lstStyle/>
+          <a:p>
+            <a:pPr marL="457200" indent="-457200" algn="l" fontAlgn="base">
+              <a:buFont typeface="+mj-lt"/>
+              <a:buAutoNum type="arabicPeriod"/>
+            </a:pPr>
+            <a:r>
+              <a:rPr lang="it-IT" sz="2400">
+                <a:solidFill>
+                  <a:srgbClr val="202122"/>
+                </a:solidFill>
+                <a:latin typeface="Tahoma" panose="020B0604030504040204" pitchFamily="34" charset="0"/>
+                <a:ea typeface="Tahoma" panose="020B0604030504040204" pitchFamily="34" charset="0"/>
+                <a:cs typeface="Tahoma" panose="020B0604030504040204" pitchFamily="34" charset="0"/>
+              </a:rPr>
+              <a:t>La vista di </a:t>
+            </a:r>
+            <a:r>
+              <a:rPr lang="it-IT" sz="2400" b="1">
+                <a:solidFill>
+                  <a:srgbClr val="202122"/>
+                </a:solidFill>
+                <a:latin typeface="Tahoma" panose="020B0604030504040204" pitchFamily="34" charset="0"/>
+                <a:ea typeface="Tahoma" panose="020B0604030504040204" pitchFamily="34" charset="0"/>
+                <a:cs typeface="Tahoma" panose="020B0604030504040204" pitchFamily="34" charset="0"/>
+              </a:rPr>
+              <a:t>contesto</a:t>
+            </a:r>
+            <a:r>
+              <a:rPr lang="it-IT" sz="2400">
+                <a:solidFill>
+                  <a:srgbClr val="202122"/>
+                </a:solidFill>
+                <a:latin typeface="Tahoma" panose="020B0604030504040204" pitchFamily="34" charset="0"/>
+                <a:ea typeface="Tahoma" panose="020B0604030504040204" pitchFamily="34" charset="0"/>
+                <a:cs typeface="Tahoma" panose="020B0604030504040204" pitchFamily="34" charset="0"/>
+              </a:rPr>
+              <a:t> descrive ambito e scopo del sistema da progettare (es. “Vision document”)) </a:t>
+            </a:r>
+          </a:p>
+          <a:p>
+            <a:pPr marL="457200" indent="-457200" algn="l" fontAlgn="base">
+              <a:buFont typeface="+mj-lt"/>
+              <a:buAutoNum type="arabicPeriod"/>
+            </a:pPr>
+            <a:r>
+              <a:rPr lang="it-IT" sz="2400">
+                <a:solidFill>
+                  <a:srgbClr val="202122"/>
+                </a:solidFill>
+                <a:latin typeface="Tahoma" panose="020B0604030504040204" pitchFamily="34" charset="0"/>
+                <a:ea typeface="Tahoma" panose="020B0604030504040204" pitchFamily="34" charset="0"/>
+                <a:cs typeface="Tahoma" panose="020B0604030504040204" pitchFamily="34" charset="0"/>
+              </a:rPr>
+              <a:t>La vista </a:t>
+            </a:r>
+            <a:r>
+              <a:rPr lang="it-IT" sz="2400" b="1">
+                <a:solidFill>
+                  <a:srgbClr val="202122"/>
+                </a:solidFill>
+                <a:latin typeface="Tahoma" panose="020B0604030504040204" pitchFamily="34" charset="0"/>
+                <a:ea typeface="Tahoma" panose="020B0604030504040204" pitchFamily="34" charset="0"/>
+                <a:cs typeface="Tahoma" panose="020B0604030504040204" pitchFamily="34" charset="0"/>
+              </a:rPr>
+              <a:t>funzionale</a:t>
+            </a:r>
+            <a:r>
+              <a:rPr lang="it-IT" sz="2400">
+                <a:solidFill>
+                  <a:srgbClr val="202122"/>
+                </a:solidFill>
+                <a:latin typeface="Tahoma" panose="020B0604030504040204" pitchFamily="34" charset="0"/>
+                <a:ea typeface="Tahoma" panose="020B0604030504040204" pitchFamily="34" charset="0"/>
+                <a:cs typeface="Tahoma" panose="020B0604030504040204" pitchFamily="34" charset="0"/>
+              </a:rPr>
+              <a:t> descrive la forma di un sistema in relazione allo scopo (es. “Documento dei Casi d’uso”) </a:t>
+            </a:r>
+          </a:p>
+          <a:p>
+            <a:pPr marL="457200" indent="-457200" fontAlgn="base">
+              <a:buFont typeface="+mj-lt"/>
+              <a:buAutoNum type="arabicPeriod"/>
+            </a:pPr>
+            <a:r>
+              <a:rPr lang="it-IT" sz="2400">
+                <a:solidFill>
+                  <a:srgbClr val="202122"/>
+                </a:solidFill>
+                <a:latin typeface="Tahoma" panose="020B0604030504040204" pitchFamily="34" charset="0"/>
+                <a:ea typeface="Tahoma" panose="020B0604030504040204" pitchFamily="34" charset="0"/>
+                <a:cs typeface="Tahoma" panose="020B0604030504040204" pitchFamily="34" charset="0"/>
+              </a:rPr>
+              <a:t>La vista </a:t>
+            </a:r>
+            <a:r>
+              <a:rPr lang="it-IT" sz="2400" b="1">
+                <a:solidFill>
+                  <a:srgbClr val="202122"/>
+                </a:solidFill>
+                <a:latin typeface="Tahoma" panose="020B0604030504040204" pitchFamily="34" charset="0"/>
+                <a:ea typeface="Tahoma" panose="020B0604030504040204" pitchFamily="34" charset="0"/>
+                <a:cs typeface="Tahoma" panose="020B0604030504040204" pitchFamily="34" charset="0"/>
+              </a:rPr>
+              <a:t>comportamentale</a:t>
+            </a:r>
+            <a:r>
+              <a:rPr lang="it-IT" sz="2400">
+                <a:solidFill>
+                  <a:srgbClr val="202122"/>
+                </a:solidFill>
+                <a:latin typeface="Tahoma" panose="020B0604030504040204" pitchFamily="34" charset="0"/>
+                <a:ea typeface="Tahoma" panose="020B0604030504040204" pitchFamily="34" charset="0"/>
+                <a:cs typeface="Tahoma" panose="020B0604030504040204" pitchFamily="34" charset="0"/>
+              </a:rPr>
+              <a:t> modella il comportamento di un sistema in relazione ai possibili input </a:t>
+            </a:r>
+          </a:p>
+          <a:p>
+            <a:pPr marL="457200" indent="-457200" fontAlgn="base">
+              <a:buFont typeface="+mj-lt"/>
+              <a:buAutoNum type="arabicPeriod"/>
+            </a:pPr>
+            <a:r>
+              <a:rPr lang="it-IT" sz="2400">
+                <a:solidFill>
+                  <a:srgbClr val="202122"/>
+                </a:solidFill>
+                <a:latin typeface="Tahoma" panose="020B0604030504040204" pitchFamily="34" charset="0"/>
+                <a:ea typeface="Tahoma" panose="020B0604030504040204" pitchFamily="34" charset="0"/>
+                <a:cs typeface="Tahoma" panose="020B0604030504040204" pitchFamily="34" charset="0"/>
+              </a:rPr>
+              <a:t>La vista </a:t>
+            </a:r>
+            <a:r>
+              <a:rPr lang="it-IT" sz="2400" b="1">
+                <a:solidFill>
+                  <a:srgbClr val="202122"/>
+                </a:solidFill>
+                <a:latin typeface="Tahoma" panose="020B0604030504040204" pitchFamily="34" charset="0"/>
+                <a:ea typeface="Tahoma" panose="020B0604030504040204" pitchFamily="34" charset="0"/>
+                <a:cs typeface="Tahoma" panose="020B0604030504040204" pitchFamily="34" charset="0"/>
+              </a:rPr>
+              <a:t>strutturale</a:t>
+            </a:r>
+            <a:r>
+              <a:rPr lang="it-IT" sz="2400">
+                <a:solidFill>
+                  <a:srgbClr val="202122"/>
+                </a:solidFill>
+                <a:latin typeface="Tahoma" panose="020B0604030504040204" pitchFamily="34" charset="0"/>
+                <a:ea typeface="Tahoma" panose="020B0604030504040204" pitchFamily="34" charset="0"/>
+                <a:cs typeface="Tahoma" panose="020B0604030504040204" pitchFamily="34" charset="0"/>
+              </a:rPr>
+              <a:t> modella i componenti di un sistema e le loro relazioni</a:t>
+            </a:r>
+          </a:p>
+          <a:p>
+            <a:pPr fontAlgn="base"/>
+            <a:endParaRPr lang="it-IT" sz="2400">
+              <a:solidFill>
+                <a:srgbClr val="202122"/>
+              </a:solidFill>
+              <a:latin typeface="Tahoma" panose="020B0604030504040204" pitchFamily="34" charset="0"/>
+              <a:ea typeface="Tahoma" panose="020B0604030504040204" pitchFamily="34" charset="0"/>
+              <a:cs typeface="Tahoma" panose="020B0604030504040204" pitchFamily="34" charset="0"/>
+            </a:endParaRPr>
+          </a:p>
+          <a:p>
+            <a:pPr fontAlgn="base"/>
+            <a:r>
+              <a:rPr lang="it-IT" sz="2400">
+                <a:solidFill>
+                  <a:srgbClr val="202122"/>
+                </a:solidFill>
+                <a:latin typeface="Tahoma" panose="020B0604030504040204" pitchFamily="34" charset="0"/>
+                <a:ea typeface="Tahoma" panose="020B0604030504040204" pitchFamily="34" charset="0"/>
+                <a:cs typeface="Tahoma" panose="020B0604030504040204" pitchFamily="34" charset="0"/>
+              </a:rPr>
+              <a:t>Le prime due viste sono “</a:t>
+            </a:r>
+            <a:r>
+              <a:rPr lang="it-IT" sz="2400" b="1">
+                <a:solidFill>
+                  <a:srgbClr val="202122"/>
+                </a:solidFill>
+                <a:latin typeface="Tahoma" panose="020B0604030504040204" pitchFamily="34" charset="0"/>
+                <a:ea typeface="Tahoma" panose="020B0604030504040204" pitchFamily="34" charset="0"/>
+                <a:cs typeface="Tahoma" panose="020B0604030504040204" pitchFamily="34" charset="0"/>
+              </a:rPr>
+              <a:t>soggettive</a:t>
+            </a:r>
+            <a:r>
+              <a:rPr lang="it-IT" sz="2400">
+                <a:solidFill>
+                  <a:srgbClr val="202122"/>
+                </a:solidFill>
+                <a:latin typeface="Tahoma" panose="020B0604030504040204" pitchFamily="34" charset="0"/>
+                <a:ea typeface="Tahoma" panose="020B0604030504040204" pitchFamily="34" charset="0"/>
+                <a:cs typeface="Tahoma" panose="020B0604030504040204" pitchFamily="34" charset="0"/>
+              </a:rPr>
+              <a:t>” (descrivono le intenzioni del progettista), invece le seconde sono “</a:t>
+            </a:r>
+            <a:r>
+              <a:rPr lang="it-IT" sz="2400" b="1">
+                <a:solidFill>
+                  <a:srgbClr val="202122"/>
+                </a:solidFill>
+                <a:latin typeface="Tahoma" panose="020B0604030504040204" pitchFamily="34" charset="0"/>
+                <a:ea typeface="Tahoma" panose="020B0604030504040204" pitchFamily="34" charset="0"/>
+                <a:cs typeface="Tahoma" panose="020B0604030504040204" pitchFamily="34" charset="0"/>
+              </a:rPr>
+              <a:t>oggettive</a:t>
+            </a:r>
+            <a:r>
+              <a:rPr lang="it-IT" sz="2400">
+                <a:solidFill>
+                  <a:srgbClr val="202122"/>
+                </a:solidFill>
+                <a:latin typeface="Tahoma" panose="020B0604030504040204" pitchFamily="34" charset="0"/>
+                <a:ea typeface="Tahoma" panose="020B0604030504040204" pitchFamily="34" charset="0"/>
+                <a:cs typeface="Tahoma" panose="020B0604030504040204" pitchFamily="34" charset="0"/>
+              </a:rPr>
+              <a:t>” (modellano proprietà future del sistema)</a:t>
+            </a:r>
+          </a:p>
+        </p:txBody>
+      </p:sp>
+      <p:sp>
+        <p:nvSpPr>
+          <p:cNvPr id="7" name="Segnaposto numero diapositiva 6">
+            <a:extLst>
+              <a:ext uri="{FF2B5EF4-FFF2-40B4-BE49-F238E27FC236}">
+                <a16:creationId xmlns:a16="http://schemas.microsoft.com/office/drawing/2014/main" id="{AB740BE9-E218-4144-BFDE-AE473D230A3D}"/>
+              </a:ext>
+            </a:extLst>
+          </p:cNvPr>
+          <p:cNvSpPr>
+            <a:spLocks noGrp="1"/>
+          </p:cNvSpPr>
+          <p:nvPr>
+            <p:ph type="sldNum" sz="quarter" idx="12"/>
+          </p:nvPr>
+        </p:nvSpPr>
+        <p:spPr/>
+        <p:txBody>
+          <a:bodyPr/>
+          <a:lstStyle/>
+          <a:p>
+            <a:pPr>
+              <a:defRPr/>
+            </a:pPr>
+            <a:fld id="{48B4153A-D4C5-4CEF-8992-0D8815C829E3}" type="slidenum">
+              <a:rPr lang="en-US" smtClean="0"/>
+              <a:pPr>
+                <a:defRPr/>
+              </a:pPr>
+              <a:t>11</a:t>
+            </a:fld>
+            <a:endParaRPr lang="en-US" dirty="0"/>
+          </a:p>
+        </p:txBody>
+      </p:sp>
+      <p:sp>
+        <p:nvSpPr>
+          <p:cNvPr id="6" name="Titolo 4">
+            <a:extLst>
+              <a:ext uri="{FF2B5EF4-FFF2-40B4-BE49-F238E27FC236}">
+                <a16:creationId xmlns:a16="http://schemas.microsoft.com/office/drawing/2014/main" id="{CF9A4806-60B4-80DC-1F76-D2EB3E6C376B}"/>
+              </a:ext>
+            </a:extLst>
+          </p:cNvPr>
+          <p:cNvSpPr>
+            <a:spLocks noGrp="1"/>
+          </p:cNvSpPr>
+          <p:nvPr>
+            <p:ph type="title"/>
+          </p:nvPr>
+        </p:nvSpPr>
+        <p:spPr>
+          <a:xfrm>
+            <a:off x="574294" y="460775"/>
+            <a:ext cx="11269662" cy="769441"/>
+          </a:xfrm>
+        </p:spPr>
+        <p:txBody>
+          <a:bodyPr/>
+          <a:lstStyle/>
+          <a:p>
+            <a:r>
+              <a:rPr lang="it-IT">
+                <a:solidFill>
+                  <a:schemeClr val="tx1"/>
+                </a:solidFill>
+                <a:latin typeface="Tahoma" panose="020B0604030504040204" pitchFamily="34" charset="0"/>
+                <a:ea typeface="Tahoma" panose="020B0604030504040204" pitchFamily="34" charset="0"/>
+                <a:cs typeface="Tahoma" panose="020B0604030504040204" pitchFamily="34" charset="0"/>
+              </a:rPr>
+              <a:t>I modelli del sw richiedono più viste</a:t>
+            </a:r>
+            <a:br>
+              <a:rPr lang="it-IT">
+                <a:solidFill>
+                  <a:schemeClr val="tx1"/>
+                </a:solidFill>
+                <a:latin typeface="Tahoma" panose="020B0604030504040204" pitchFamily="34" charset="0"/>
+                <a:ea typeface="Tahoma" panose="020B0604030504040204" pitchFamily="34" charset="0"/>
+                <a:cs typeface="Tahoma" panose="020B0604030504040204" pitchFamily="34" charset="0"/>
+              </a:rPr>
+            </a:br>
+            <a:endParaRPr lang="it-IT" dirty="0">
+              <a:solidFill>
+                <a:schemeClr val="tx1"/>
+              </a:solidFill>
+              <a:latin typeface="Tahoma" panose="020B0604030504040204" pitchFamily="34" charset="0"/>
+              <a:ea typeface="Tahoma" panose="020B0604030504040204" pitchFamily="34" charset="0"/>
+              <a:cs typeface="Tahoma" panose="020B0604030504040204" pitchFamily="34" charset="0"/>
+            </a:endParaRPr>
+          </a:p>
+        </p:txBody>
+      </p:sp>
+    </p:spTree>
+    <p:extLst>
+      <p:ext uri="{BB962C8B-B14F-4D97-AF65-F5344CB8AC3E}">
+        <p14:creationId xmlns:p14="http://schemas.microsoft.com/office/powerpoint/2010/main" val="3605929103"/>
+      </p:ext>
+    </p:extLst>
+  </p:cSld>
+  <p:clrMapOvr>
+    <a:masterClrMapping/>
+  </p:clrMapOvr>
+</p:sld>
+</file>
+
+<file path=ppt/slides/slide12.xml><?xml version="1.0" encoding="utf-8"?>
+<p:sld xmlns:a="http://schemas.openxmlformats.org/drawingml/2006/main" xmlns:r="http://schemas.openxmlformats.org/officeDocument/2006/relationships" xmlns:p="http://schemas.openxmlformats.org/presentationml/2006/main">
+  <p:cSld>
+    <p:spTree>
+      <p:nvGrpSpPr>
+        <p:cNvPr id="1" name=""/>
+        <p:cNvGrpSpPr/>
+        <p:nvPr/>
+      </p:nvGrpSpPr>
+      <p:grpSpPr>
+        <a:xfrm>
+          <a:off x="0" y="0"/>
+          <a:ext cx="0" cy="0"/>
+          <a:chOff x="0" y="0"/>
+          <a:chExt cx="0" cy="0"/>
+        </a:xfrm>
+      </p:grpSpPr>
+      <p:sp>
+        <p:nvSpPr>
+          <p:cNvPr id="7" name="Segnaposto numero diapositiva 6">
+            <a:extLst>
+              <a:ext uri="{FF2B5EF4-FFF2-40B4-BE49-F238E27FC236}">
+                <a16:creationId xmlns:a16="http://schemas.microsoft.com/office/drawing/2014/main" id="{AB740BE9-E218-4144-BFDE-AE473D230A3D}"/>
+              </a:ext>
+            </a:extLst>
+          </p:cNvPr>
+          <p:cNvSpPr>
+            <a:spLocks noGrp="1"/>
+          </p:cNvSpPr>
+          <p:nvPr>
+            <p:ph type="sldNum" sz="quarter" idx="12"/>
+          </p:nvPr>
+        </p:nvSpPr>
+        <p:spPr/>
+        <p:txBody>
+          <a:bodyPr/>
+          <a:lstStyle/>
+          <a:p>
+            <a:pPr>
+              <a:defRPr/>
+            </a:pPr>
+            <a:fld id="{48B4153A-D4C5-4CEF-8992-0D8815C829E3}" type="slidenum">
+              <a:rPr lang="en-US" smtClean="0"/>
+              <a:pPr>
+                <a:defRPr/>
+              </a:pPr>
+              <a:t>12</a:t>
+            </a:fld>
+            <a:endParaRPr lang="en-US" dirty="0"/>
+          </a:p>
+        </p:txBody>
+      </p:sp>
+      <p:sp>
+        <p:nvSpPr>
+          <p:cNvPr id="5" name="Titolo 4">
+            <a:extLst>
+              <a:ext uri="{FF2B5EF4-FFF2-40B4-BE49-F238E27FC236}">
+                <a16:creationId xmlns:a16="http://schemas.microsoft.com/office/drawing/2014/main" id="{82C46BA2-B380-4357-B125-BA9F08A643F5}"/>
+              </a:ext>
+            </a:extLst>
+          </p:cNvPr>
+          <p:cNvSpPr>
+            <a:spLocks noGrp="1"/>
+          </p:cNvSpPr>
+          <p:nvPr>
+            <p:ph type="title"/>
+          </p:nvPr>
+        </p:nvSpPr>
+        <p:spPr>
+          <a:xfrm>
+            <a:off x="468895" y="503475"/>
+            <a:ext cx="11269308" cy="384721"/>
+          </a:xfrm>
+        </p:spPr>
+        <p:txBody>
+          <a:bodyPr/>
+          <a:lstStyle/>
+          <a:p>
+            <a:r>
+              <a:rPr lang="it-IT" altLang="it-IT"/>
+              <a:t>Bibliografia</a:t>
+            </a:r>
+            <a:endParaRPr lang="it-IT" dirty="0"/>
+          </a:p>
+        </p:txBody>
+      </p:sp>
+      <p:sp>
+        <p:nvSpPr>
+          <p:cNvPr id="3" name="Segnaposto testo 2">
+            <a:extLst>
+              <a:ext uri="{FF2B5EF4-FFF2-40B4-BE49-F238E27FC236}">
+                <a16:creationId xmlns:a16="http://schemas.microsoft.com/office/drawing/2014/main" id="{15CD42DB-61E6-AA3D-7125-BF4BEDB5D886}"/>
+              </a:ext>
+            </a:extLst>
+          </p:cNvPr>
+          <p:cNvSpPr>
+            <a:spLocks noGrp="1"/>
+          </p:cNvSpPr>
+          <p:nvPr>
+            <p:ph type="body" idx="1"/>
+          </p:nvPr>
+        </p:nvSpPr>
+        <p:spPr>
+          <a:xfrm>
+            <a:off x="477519" y="1557338"/>
+            <a:ext cx="11043921" cy="4392612"/>
+          </a:xfrm>
+        </p:spPr>
+        <p:txBody>
+          <a:bodyPr/>
+          <a:lstStyle/>
+          <a:p>
+            <a:endParaRPr lang="it-IT" dirty="0"/>
+          </a:p>
+          <a:p>
+            <a:endParaRPr lang="it-IT" dirty="0"/>
+          </a:p>
+        </p:txBody>
+      </p:sp>
+      <p:sp>
+        <p:nvSpPr>
+          <p:cNvPr id="8" name="CasellaDiTesto 7">
+            <a:extLst>
+              <a:ext uri="{FF2B5EF4-FFF2-40B4-BE49-F238E27FC236}">
+                <a16:creationId xmlns:a16="http://schemas.microsoft.com/office/drawing/2014/main" id="{730CBC39-598F-86AA-CF30-A345AD7372A2}"/>
+              </a:ext>
+            </a:extLst>
+          </p:cNvPr>
+          <p:cNvSpPr txBox="1"/>
+          <p:nvPr/>
+        </p:nvSpPr>
+        <p:spPr>
+          <a:xfrm>
+            <a:off x="825119" y="1557338"/>
+            <a:ext cx="6098344" cy="369332"/>
+          </a:xfrm>
+          <a:prstGeom prst="rect">
+            <a:avLst/>
+          </a:prstGeom>
+          <a:noFill/>
+        </p:spPr>
+        <p:txBody>
+          <a:bodyPr wrap="square">
+            <a:spAutoFit/>
+          </a:bodyPr>
+          <a:lstStyle/>
+          <a:p>
+            <a:r>
+              <a:rPr lang="it-IT"/>
+              <a:t>https://analisi-disegno.com/analisi/analisi-design/</a:t>
+            </a:r>
+          </a:p>
+        </p:txBody>
+      </p:sp>
+      <p:sp>
+        <p:nvSpPr>
+          <p:cNvPr id="4" name="CasellaDiTesto 3">
+            <a:extLst>
+              <a:ext uri="{FF2B5EF4-FFF2-40B4-BE49-F238E27FC236}">
+                <a16:creationId xmlns:a16="http://schemas.microsoft.com/office/drawing/2014/main" id="{45E4B70E-95D8-2988-7277-BFACA1ACCE18}"/>
+              </a:ext>
+            </a:extLst>
+          </p:cNvPr>
+          <p:cNvSpPr txBox="1"/>
+          <p:nvPr/>
+        </p:nvSpPr>
+        <p:spPr>
+          <a:xfrm>
+            <a:off x="825119" y="2189279"/>
+            <a:ext cx="6096000" cy="369332"/>
+          </a:xfrm>
+          <a:prstGeom prst="rect">
+            <a:avLst/>
+          </a:prstGeom>
+          <a:noFill/>
+        </p:spPr>
+        <p:txBody>
+          <a:bodyPr wrap="square">
+            <a:spAutoFit/>
+          </a:bodyPr>
+          <a:lstStyle/>
+          <a:p>
+            <a:r>
+              <a:rPr lang="it-IT"/>
+              <a:t>http://www.cs.unibo.it/~cianca/wwwpages/ids/7.pdf</a:t>
+            </a:r>
+          </a:p>
+        </p:txBody>
+      </p:sp>
+    </p:spTree>
+    <p:extLst>
+      <p:ext uri="{BB962C8B-B14F-4D97-AF65-F5344CB8AC3E}">
+        <p14:creationId xmlns:p14="http://schemas.microsoft.com/office/powerpoint/2010/main" val="3490964097"/>
+      </p:ext>
+    </p:extLst>
+  </p:cSld>
+  <p:clrMapOvr>
+    <a:masterClrMapping/>
+  </p:clrMapOvr>
+</p:sld>
+</file>
+
 <file path=ppt/slides/slide2.xml><?xml version="1.0" encoding="utf-8"?>
 <p:sld xmlns:a="http://schemas.openxmlformats.org/drawingml/2006/main" xmlns:r="http://schemas.openxmlformats.org/officeDocument/2006/relationships" xmlns:p="http://schemas.openxmlformats.org/presentationml/2006/main">
   <p:cSld>
@@ -8853,6 +9798,199 @@
       </p:grpSpPr>
       <p:sp>
         <p:nvSpPr>
+          <p:cNvPr id="2" name="Segnaposto testo 1">
+            <a:extLst>
+              <a:ext uri="{FF2B5EF4-FFF2-40B4-BE49-F238E27FC236}">
+                <a16:creationId xmlns:a16="http://schemas.microsoft.com/office/drawing/2014/main" id="{E5AE986C-196F-4141-A898-FA4C4198CDCC}"/>
+              </a:ext>
+            </a:extLst>
+          </p:cNvPr>
+          <p:cNvSpPr>
+            <a:spLocks noGrp="1"/>
+          </p:cNvSpPr>
+          <p:nvPr>
+            <p:ph type="body" idx="1"/>
+          </p:nvPr>
+        </p:nvSpPr>
+        <p:spPr>
+          <a:xfrm>
+            <a:off x="825119" y="1523302"/>
+            <a:ext cx="3594481" cy="4392612"/>
+          </a:xfrm>
+        </p:spPr>
+        <p:txBody>
+          <a:bodyPr/>
+          <a:lstStyle/>
+          <a:p>
+            <a:pPr marL="342900" indent="-342900" algn="l" fontAlgn="base">
+              <a:buFont typeface="Wingdings" panose="05000000000000000000" pitchFamily="2" charset="2"/>
+              <a:buChar char="ü"/>
+            </a:pPr>
+            <a:r>
+              <a:rPr lang="it-IT" sz="2400" b="1">
+                <a:solidFill>
+                  <a:srgbClr val="202122"/>
+                </a:solidFill>
+                <a:latin typeface="Tahoma" panose="020B0604030504040204" pitchFamily="34" charset="0"/>
+                <a:ea typeface="Tahoma" panose="020B0604030504040204" pitchFamily="34" charset="0"/>
+                <a:cs typeface="Tahoma" panose="020B0604030504040204" pitchFamily="34" charset="0"/>
+              </a:rPr>
+              <a:t>Progettare</a:t>
+            </a:r>
+            <a:r>
+              <a:rPr lang="it-IT" sz="2400">
+                <a:solidFill>
+                  <a:srgbClr val="202122"/>
+                </a:solidFill>
+                <a:latin typeface="Tahoma" panose="020B0604030504040204" pitchFamily="34" charset="0"/>
+                <a:ea typeface="Tahoma" panose="020B0604030504040204" pitchFamily="34" charset="0"/>
+                <a:cs typeface="Tahoma" panose="020B0604030504040204" pitchFamily="34" charset="0"/>
+              </a:rPr>
+              <a:t> = anticipare un futuro artefatto mediante </a:t>
+            </a:r>
+            <a:r>
+              <a:rPr lang="it-IT" sz="2400" b="1">
+                <a:solidFill>
+                  <a:srgbClr val="202122"/>
+                </a:solidFill>
+                <a:latin typeface="Tahoma" panose="020B0604030504040204" pitchFamily="34" charset="0"/>
+                <a:ea typeface="Tahoma" panose="020B0604030504040204" pitchFamily="34" charset="0"/>
+                <a:cs typeface="Tahoma" panose="020B0604030504040204" pitchFamily="34" charset="0"/>
+              </a:rPr>
+              <a:t>problem</a:t>
+            </a:r>
+            <a:r>
+              <a:rPr lang="it-IT" sz="2400">
+                <a:solidFill>
+                  <a:srgbClr val="202122"/>
+                </a:solidFill>
+                <a:latin typeface="Tahoma" panose="020B0604030504040204" pitchFamily="34" charset="0"/>
+                <a:ea typeface="Tahoma" panose="020B0604030504040204" pitchFamily="34" charset="0"/>
+                <a:cs typeface="Tahoma" panose="020B0604030504040204" pitchFamily="34" charset="0"/>
+              </a:rPr>
+              <a:t> </a:t>
+            </a:r>
+            <a:r>
+              <a:rPr lang="it-IT" sz="2400" b="1">
+                <a:solidFill>
+                  <a:srgbClr val="202122"/>
+                </a:solidFill>
+                <a:latin typeface="Tahoma" panose="020B0604030504040204" pitchFamily="34" charset="0"/>
+                <a:ea typeface="Tahoma" panose="020B0604030504040204" pitchFamily="34" charset="0"/>
+                <a:cs typeface="Tahoma" panose="020B0604030504040204" pitchFamily="34" charset="0"/>
+              </a:rPr>
+              <a:t>solving</a:t>
+            </a:r>
+            <a:r>
+              <a:rPr lang="it-IT" sz="2400">
+                <a:solidFill>
+                  <a:srgbClr val="202122"/>
+                </a:solidFill>
+                <a:latin typeface="Tahoma" panose="020B0604030504040204" pitchFamily="34" charset="0"/>
+                <a:ea typeface="Tahoma" panose="020B0604030504040204" pitchFamily="34" charset="0"/>
+                <a:cs typeface="Tahoma" panose="020B0604030504040204" pitchFamily="34" charset="0"/>
+              </a:rPr>
+              <a:t> creativo.</a:t>
+            </a:r>
+          </a:p>
+          <a:p>
+            <a:pPr marL="342900" indent="-342900" algn="l" fontAlgn="base">
+              <a:buFont typeface="Wingdings" panose="05000000000000000000" pitchFamily="2" charset="2"/>
+              <a:buChar char="ü"/>
+            </a:pPr>
+            <a:r>
+              <a:rPr lang="it-IT" sz="2400" b="1">
+                <a:solidFill>
+                  <a:srgbClr val="202122"/>
+                </a:solidFill>
+                <a:latin typeface="Tahoma" panose="020B0604030504040204" pitchFamily="34" charset="0"/>
+                <a:ea typeface="Tahoma" panose="020B0604030504040204" pitchFamily="34" charset="0"/>
+                <a:cs typeface="Tahoma" panose="020B0604030504040204" pitchFamily="34" charset="0"/>
+              </a:rPr>
+              <a:t>L’analisi</a:t>
+            </a:r>
+            <a:r>
+              <a:rPr lang="it-IT" sz="2400">
+                <a:solidFill>
+                  <a:srgbClr val="202122"/>
+                </a:solidFill>
+                <a:latin typeface="Tahoma" panose="020B0604030504040204" pitchFamily="34" charset="0"/>
+                <a:ea typeface="Tahoma" panose="020B0604030504040204" pitchFamily="34" charset="0"/>
+                <a:cs typeface="Tahoma" panose="020B0604030504040204" pitchFamily="34" charset="0"/>
+              </a:rPr>
+              <a:t> si occupa di: Capire il </a:t>
+            </a:r>
+            <a:r>
+              <a:rPr lang="it-IT" sz="2400" b="1">
+                <a:solidFill>
+                  <a:srgbClr val="202122"/>
+                </a:solidFill>
+                <a:latin typeface="Tahoma" panose="020B0604030504040204" pitchFamily="34" charset="0"/>
+                <a:ea typeface="Tahoma" panose="020B0604030504040204" pitchFamily="34" charset="0"/>
+                <a:cs typeface="Tahoma" panose="020B0604030504040204" pitchFamily="34" charset="0"/>
+              </a:rPr>
+              <a:t>problema</a:t>
+            </a:r>
+            <a:r>
+              <a:rPr lang="it-IT" sz="2400">
+                <a:solidFill>
+                  <a:srgbClr val="202122"/>
+                </a:solidFill>
+                <a:latin typeface="Tahoma" panose="020B0604030504040204" pitchFamily="34" charset="0"/>
+                <a:ea typeface="Tahoma" panose="020B0604030504040204" pitchFamily="34" charset="0"/>
+                <a:cs typeface="Tahoma" panose="020B0604030504040204" pitchFamily="34" charset="0"/>
+              </a:rPr>
+              <a:t>, e preparare la base per una </a:t>
+            </a:r>
+            <a:r>
+              <a:rPr lang="it-IT" sz="2400" b="1">
+                <a:solidFill>
+                  <a:srgbClr val="202122"/>
+                </a:solidFill>
+                <a:latin typeface="Tahoma" panose="020B0604030504040204" pitchFamily="34" charset="0"/>
+                <a:ea typeface="Tahoma" panose="020B0604030504040204" pitchFamily="34" charset="0"/>
+                <a:cs typeface="Tahoma" panose="020B0604030504040204" pitchFamily="34" charset="0"/>
+              </a:rPr>
+              <a:t>soluzione</a:t>
+            </a:r>
+            <a:r>
+              <a:rPr lang="it-IT" sz="2400">
+                <a:solidFill>
+                  <a:srgbClr val="202122"/>
+                </a:solidFill>
+                <a:latin typeface="Tahoma" panose="020B0604030504040204" pitchFamily="34" charset="0"/>
+                <a:ea typeface="Tahoma" panose="020B0604030504040204" pitchFamily="34" charset="0"/>
+                <a:cs typeface="Tahoma" panose="020B0604030504040204" pitchFamily="34" charset="0"/>
+              </a:rPr>
+              <a:t> mediante un </a:t>
+            </a:r>
+            <a:r>
+              <a:rPr lang="it-IT" sz="2400" b="1">
+                <a:solidFill>
+                  <a:srgbClr val="202122"/>
+                </a:solidFill>
+                <a:latin typeface="Tahoma" panose="020B0604030504040204" pitchFamily="34" charset="0"/>
+                <a:ea typeface="Tahoma" panose="020B0604030504040204" pitchFamily="34" charset="0"/>
+                <a:cs typeface="Tahoma" panose="020B0604030504040204" pitchFamily="34" charset="0"/>
+              </a:rPr>
+              <a:t>modello di analisi</a:t>
+            </a:r>
+            <a:r>
+              <a:rPr lang="it-IT" sz="2400">
+                <a:solidFill>
+                  <a:srgbClr val="202122"/>
+                </a:solidFill>
+                <a:latin typeface="Tahoma" panose="020B0604030504040204" pitchFamily="34" charset="0"/>
+                <a:ea typeface="Tahoma" panose="020B0604030504040204" pitchFamily="34" charset="0"/>
+                <a:cs typeface="Tahoma" panose="020B0604030504040204" pitchFamily="34" charset="0"/>
+              </a:rPr>
+              <a:t>.</a:t>
+            </a:r>
+          </a:p>
+        </p:txBody>
+      </p:sp>
+      <p:sp>
+        <p:nvSpPr>
           <p:cNvPr id="7" name="Segnaposto numero diapositiva 6">
             <a:extLst>
               <a:ext uri="{FF2B5EF4-FFF2-40B4-BE49-F238E27FC236}">
@@ -8888,10 +10026,10 @@
       </p:sp>
       <p:sp>
         <p:nvSpPr>
-          <p:cNvPr id="5" name="Titolo 4">
-            <a:extLst>
-              <a:ext uri="{FF2B5EF4-FFF2-40B4-BE49-F238E27FC236}">
-                <a16:creationId xmlns:a16="http://schemas.microsoft.com/office/drawing/2014/main" id="{82C46BA2-B380-4357-B125-BA9F08A643F5}"/>
+          <p:cNvPr id="6" name="Titolo 4">
+            <a:extLst>
+              <a:ext uri="{FF2B5EF4-FFF2-40B4-BE49-F238E27FC236}">
+                <a16:creationId xmlns:a16="http://schemas.microsoft.com/office/drawing/2014/main" id="{CF9A4806-60B4-80DC-1F76-D2EB3E6C376B}"/>
               </a:ext>
             </a:extLst>
           </p:cNvPr>
@@ -8904,28 +10042,132 @@
         </p:nvSpPr>
         <p:spPr>
           <a:xfrm>
-            <a:off x="468895" y="503475"/>
-            <a:ext cx="11269308" cy="384721"/>
+            <a:off x="574294" y="-308667"/>
+            <a:ext cx="11269662" cy="1538883"/>
           </a:xfrm>
         </p:spPr>
         <p:txBody>
           <a:bodyPr/>
           <a:lstStyle/>
           <a:p>
-            <a:r>
-              <a:rPr lang="it-IT" altLang="it-IT"/>
-              <a:t>Bibliografia</a:t>
-            </a:r>
-            <a:endParaRPr lang="it-IT" dirty="0"/>
+            <a:br>
+              <a:rPr lang="it-IT">
+                <a:solidFill>
+                  <a:schemeClr val="tx1"/>
+                </a:solidFill>
+                <a:latin typeface="Tahoma" panose="020B0604030504040204" pitchFamily="34" charset="0"/>
+                <a:ea typeface="Tahoma" panose="020B0604030504040204" pitchFamily="34" charset="0"/>
+                <a:cs typeface="Tahoma" panose="020B0604030504040204" pitchFamily="34" charset="0"/>
+              </a:rPr>
+            </a:br>
+            <a:br>
+              <a:rPr lang="it-IT">
+                <a:solidFill>
+                  <a:schemeClr val="tx1"/>
+                </a:solidFill>
+                <a:latin typeface="Tahoma" panose="020B0604030504040204" pitchFamily="34" charset="0"/>
+                <a:ea typeface="Tahoma" panose="020B0604030504040204" pitchFamily="34" charset="0"/>
+                <a:cs typeface="Tahoma" panose="020B0604030504040204" pitchFamily="34" charset="0"/>
+              </a:rPr>
+            </a:br>
+            <a:r>
+              <a:rPr lang="it-IT">
+                <a:solidFill>
+                  <a:schemeClr val="tx1"/>
+                </a:solidFill>
+                <a:latin typeface="Tahoma" panose="020B0604030504040204" pitchFamily="34" charset="0"/>
+                <a:ea typeface="Tahoma" panose="020B0604030504040204" pitchFamily="34" charset="0"/>
+                <a:cs typeface="Tahoma" panose="020B0604030504040204" pitchFamily="34" charset="0"/>
+              </a:rPr>
+              <a:t>Significato di Progettazione</a:t>
+            </a:r>
+            <a:br>
+              <a:rPr lang="it-IT">
+                <a:solidFill>
+                  <a:schemeClr val="tx1"/>
+                </a:solidFill>
+                <a:latin typeface="Tahoma" panose="020B0604030504040204" pitchFamily="34" charset="0"/>
+                <a:ea typeface="Tahoma" panose="020B0604030504040204" pitchFamily="34" charset="0"/>
+                <a:cs typeface="Tahoma" panose="020B0604030504040204" pitchFamily="34" charset="0"/>
+              </a:rPr>
+            </a:br>
+            <a:endParaRPr lang="it-IT" dirty="0">
+              <a:solidFill>
+                <a:schemeClr val="tx1"/>
+              </a:solidFill>
+              <a:latin typeface="Tahoma" panose="020B0604030504040204" pitchFamily="34" charset="0"/>
+              <a:ea typeface="Tahoma" panose="020B0604030504040204" pitchFamily="34" charset="0"/>
+              <a:cs typeface="Tahoma" panose="020B0604030504040204" pitchFamily="34" charset="0"/>
+            </a:endParaRPr>
           </a:p>
         </p:txBody>
       </p:sp>
-      <p:sp>
-        <p:nvSpPr>
-          <p:cNvPr id="3" name="Segnaposto testo 2">
-            <a:extLst>
-              <a:ext uri="{FF2B5EF4-FFF2-40B4-BE49-F238E27FC236}">
-                <a16:creationId xmlns:a16="http://schemas.microsoft.com/office/drawing/2014/main" id="{15CD42DB-61E6-AA3D-7125-BF4BEDB5D886}"/>
+      <p:pic>
+        <p:nvPicPr>
+          <p:cNvPr id="4" name="Immagine 3">
+            <a:extLst>
+              <a:ext uri="{FF2B5EF4-FFF2-40B4-BE49-F238E27FC236}">
+                <a16:creationId xmlns:a16="http://schemas.microsoft.com/office/drawing/2014/main" id="{60F26C36-A8F9-0E2A-FAB3-744001D8A3BB}"/>
+              </a:ext>
+            </a:extLst>
+          </p:cNvPr>
+          <p:cNvPicPr>
+            <a:picLocks noChangeAspect="1"/>
+          </p:cNvPicPr>
+          <p:nvPr/>
+        </p:nvPicPr>
+        <p:blipFill>
+          <a:blip r:embed="rId2"/>
+          <a:stretch>
+            <a:fillRect/>
+          </a:stretch>
+        </p:blipFill>
+        <p:spPr>
+          <a:xfrm>
+            <a:off x="4558578" y="1523302"/>
+            <a:ext cx="7439025" cy="4572697"/>
+          </a:xfrm>
+          <a:prstGeom prst="rect">
+            <a:avLst/>
+          </a:prstGeom>
+        </p:spPr>
+      </p:pic>
+    </p:spTree>
+    <p:extLst>
+      <p:ext uri="{BB962C8B-B14F-4D97-AF65-F5344CB8AC3E}">
+        <p14:creationId xmlns:p14="http://schemas.microsoft.com/office/powerpoint/2010/main" val="2856660864"/>
+      </p:ext>
+    </p:extLst>
+  </p:cSld>
+  <p:clrMapOvr>
+    <a:masterClrMapping/>
+  </p:clrMapOvr>
+</p:sld>
+</file>
+
+<file path=ppt/slides/slide8.xml><?xml version="1.0" encoding="utf-8"?>
+<p:sld xmlns:a="http://schemas.openxmlformats.org/drawingml/2006/main" xmlns:r="http://schemas.openxmlformats.org/officeDocument/2006/relationships" xmlns:p="http://schemas.openxmlformats.org/presentationml/2006/main">
+  <p:cSld>
+    <p:spTree>
+      <p:nvGrpSpPr>
+        <p:cNvPr id="1" name=""/>
+        <p:cNvGrpSpPr/>
+        <p:nvPr/>
+      </p:nvGrpSpPr>
+      <p:grpSpPr>
+        <a:xfrm>
+          <a:off x="0" y="0"/>
+          <a:ext cx="0" cy="0"/>
+          <a:chOff x="0" y="0"/>
+          <a:chExt cx="0" cy="0"/>
+        </a:xfrm>
+      </p:grpSpPr>
+      <p:sp>
+        <p:nvSpPr>
+          <p:cNvPr id="2" name="Segnaposto testo 1">
+            <a:extLst>
+              <a:ext uri="{FF2B5EF4-FFF2-40B4-BE49-F238E27FC236}">
+                <a16:creationId xmlns:a16="http://schemas.microsoft.com/office/drawing/2014/main" id="{E5AE986C-196F-4141-A898-FA4C4198CDCC}"/>
               </a:ext>
             </a:extLst>
           </p:cNvPr>
@@ -8938,60 +10180,688 @@
         </p:nvSpPr>
         <p:spPr>
           <a:xfrm>
-            <a:off x="477519" y="1557338"/>
-            <a:ext cx="11043921" cy="4392612"/>
+            <a:off x="825119" y="1523302"/>
+            <a:ext cx="3594481" cy="4392612"/>
           </a:xfrm>
         </p:spPr>
         <p:txBody>
           <a:bodyPr/>
           <a:lstStyle/>
           <a:p>
-            <a:endParaRPr lang="it-IT" dirty="0"/>
-          </a:p>
-          <a:p>
-            <a:endParaRPr lang="it-IT" dirty="0"/>
+            <a:pPr marL="342900" indent="-342900" algn="l" fontAlgn="base">
+              <a:buFont typeface="Wingdings" panose="05000000000000000000" pitchFamily="2" charset="2"/>
+              <a:buChar char="ü"/>
+            </a:pPr>
+            <a:r>
+              <a:rPr lang="it-IT" sz="2400">
+                <a:solidFill>
+                  <a:srgbClr val="202122"/>
+                </a:solidFill>
+                <a:latin typeface="Tahoma" panose="020B0604030504040204" pitchFamily="34" charset="0"/>
+                <a:ea typeface="Tahoma" panose="020B0604030504040204" pitchFamily="34" charset="0"/>
+                <a:cs typeface="Tahoma" panose="020B0604030504040204" pitchFamily="34" charset="0"/>
+              </a:rPr>
+              <a:t>La </a:t>
+            </a:r>
+            <a:r>
+              <a:rPr lang="it-IT" sz="2400" b="1">
+                <a:solidFill>
+                  <a:srgbClr val="202122"/>
+                </a:solidFill>
+                <a:latin typeface="Tahoma" panose="020B0604030504040204" pitchFamily="34" charset="0"/>
+                <a:ea typeface="Tahoma" panose="020B0604030504040204" pitchFamily="34" charset="0"/>
+                <a:cs typeface="Tahoma" panose="020B0604030504040204" pitchFamily="34" charset="0"/>
+              </a:rPr>
+              <a:t>progettazione</a:t>
+            </a:r>
+            <a:r>
+              <a:rPr lang="it-IT" sz="2400">
+                <a:solidFill>
+                  <a:srgbClr val="202122"/>
+                </a:solidFill>
+                <a:latin typeface="Tahoma" panose="020B0604030504040204" pitchFamily="34" charset="0"/>
+                <a:ea typeface="Tahoma" panose="020B0604030504040204" pitchFamily="34" charset="0"/>
+                <a:cs typeface="Tahoma" panose="020B0604030504040204" pitchFamily="34" charset="0"/>
+              </a:rPr>
+              <a:t> vera e propria si occupa di </a:t>
+            </a:r>
+            <a:r>
+              <a:rPr lang="it-IT" sz="2400" b="1">
+                <a:solidFill>
+                  <a:srgbClr val="202122"/>
+                </a:solidFill>
+                <a:latin typeface="Tahoma" panose="020B0604030504040204" pitchFamily="34" charset="0"/>
+                <a:ea typeface="Tahoma" panose="020B0604030504040204" pitchFamily="34" charset="0"/>
+                <a:cs typeface="Tahoma" panose="020B0604030504040204" pitchFamily="34" charset="0"/>
+              </a:rPr>
+              <a:t>descrivere</a:t>
+            </a:r>
+            <a:r>
+              <a:rPr lang="it-IT" sz="2400">
+                <a:solidFill>
+                  <a:srgbClr val="202122"/>
+                </a:solidFill>
+                <a:latin typeface="Tahoma" panose="020B0604030504040204" pitchFamily="34" charset="0"/>
+                <a:ea typeface="Tahoma" panose="020B0604030504040204" pitchFamily="34" charset="0"/>
+                <a:cs typeface="Tahoma" panose="020B0604030504040204" pitchFamily="34" charset="0"/>
+              </a:rPr>
+              <a:t> (anticipare) una </a:t>
+            </a:r>
+            <a:r>
+              <a:rPr lang="it-IT" sz="2400" b="1">
+                <a:solidFill>
+                  <a:srgbClr val="202122"/>
+                </a:solidFill>
+                <a:latin typeface="Tahoma" panose="020B0604030504040204" pitchFamily="34" charset="0"/>
+                <a:ea typeface="Tahoma" panose="020B0604030504040204" pitchFamily="34" charset="0"/>
+                <a:cs typeface="Tahoma" panose="020B0604030504040204" pitchFamily="34" charset="0"/>
+              </a:rPr>
+              <a:t>soluzione</a:t>
+            </a:r>
+            <a:r>
+              <a:rPr lang="it-IT" sz="2400">
+                <a:solidFill>
+                  <a:srgbClr val="202122"/>
+                </a:solidFill>
+                <a:latin typeface="Tahoma" panose="020B0604030504040204" pitchFamily="34" charset="0"/>
+                <a:ea typeface="Tahoma" panose="020B0604030504040204" pitchFamily="34" charset="0"/>
+                <a:cs typeface="Tahoma" panose="020B0604030504040204" pitchFamily="34" charset="0"/>
+              </a:rPr>
+              <a:t> al problema mediante un modello </a:t>
+            </a:r>
+            <a:r>
+              <a:rPr lang="it-IT" sz="2400" b="1">
+                <a:solidFill>
+                  <a:srgbClr val="202122"/>
+                </a:solidFill>
+                <a:latin typeface="Tahoma" panose="020B0604030504040204" pitchFamily="34" charset="0"/>
+                <a:ea typeface="Tahoma" panose="020B0604030504040204" pitchFamily="34" charset="0"/>
+                <a:cs typeface="Tahoma" panose="020B0604030504040204" pitchFamily="34" charset="0"/>
+              </a:rPr>
+              <a:t>progettuale</a:t>
+            </a:r>
+            <a:r>
+              <a:rPr lang="it-IT" sz="2400">
+                <a:solidFill>
+                  <a:srgbClr val="202122"/>
+                </a:solidFill>
+                <a:latin typeface="Tahoma" panose="020B0604030504040204" pitchFamily="34" charset="0"/>
+                <a:ea typeface="Tahoma" panose="020B0604030504040204" pitchFamily="34" charset="0"/>
+                <a:cs typeface="Tahoma" panose="020B0604030504040204" pitchFamily="34" charset="0"/>
+              </a:rPr>
+              <a:t> che di solito si ispira ad un qualche </a:t>
+            </a:r>
+            <a:r>
+              <a:rPr lang="it-IT" sz="2400" b="1">
+                <a:solidFill>
+                  <a:srgbClr val="202122"/>
+                </a:solidFill>
+                <a:latin typeface="Tahoma" panose="020B0604030504040204" pitchFamily="34" charset="0"/>
+                <a:ea typeface="Tahoma" panose="020B0604030504040204" pitchFamily="34" charset="0"/>
+                <a:cs typeface="Tahoma" panose="020B0604030504040204" pitchFamily="34" charset="0"/>
+              </a:rPr>
+              <a:t>paradigma</a:t>
+            </a:r>
+            <a:r>
+              <a:rPr lang="it-IT" sz="2400">
+                <a:solidFill>
+                  <a:srgbClr val="202122"/>
+                </a:solidFill>
+                <a:latin typeface="Tahoma" panose="020B0604030504040204" pitchFamily="34" charset="0"/>
+                <a:ea typeface="Tahoma" panose="020B0604030504040204" pitchFamily="34" charset="0"/>
+                <a:cs typeface="Tahoma" panose="020B0604030504040204" pitchFamily="34" charset="0"/>
+              </a:rPr>
+              <a:t> progettuale.</a:t>
+            </a:r>
           </a:p>
         </p:txBody>
       </p:sp>
       <p:sp>
         <p:nvSpPr>
-          <p:cNvPr id="8" name="CasellaDiTesto 7">
-            <a:extLst>
-              <a:ext uri="{FF2B5EF4-FFF2-40B4-BE49-F238E27FC236}">
-                <a16:creationId xmlns:a16="http://schemas.microsoft.com/office/drawing/2014/main" id="{730CBC39-598F-86AA-CF30-A345AD7372A2}"/>
-              </a:ext>
-            </a:extLst>
-          </p:cNvPr>
-          <p:cNvSpPr txBox="1"/>
+          <p:cNvPr id="7" name="Segnaposto numero diapositiva 6">
+            <a:extLst>
+              <a:ext uri="{FF2B5EF4-FFF2-40B4-BE49-F238E27FC236}">
+                <a16:creationId xmlns:a16="http://schemas.microsoft.com/office/drawing/2014/main" id="{AB740BE9-E218-4144-BFDE-AE473D230A3D}"/>
+              </a:ext>
+            </a:extLst>
+          </p:cNvPr>
+          <p:cNvSpPr>
+            <a:spLocks noGrp="1"/>
+          </p:cNvSpPr>
+          <p:nvPr>
+            <p:ph type="sldNum" sz="quarter" idx="12"/>
+          </p:nvPr>
+        </p:nvSpPr>
+        <p:spPr/>
+        <p:txBody>
+          <a:bodyPr/>
+          <a:lstStyle/>
+          <a:p>
+            <a:pPr>
+              <a:defRPr/>
+            </a:pPr>
+            <a:fld id="{48B4153A-D4C5-4CEF-8992-0D8815C829E3}" type="slidenum">
+              <a:rPr lang="en-US" smtClean="0"/>
+              <a:pPr>
+                <a:defRPr/>
+              </a:pPr>
+              <a:t>8</a:t>
+            </a:fld>
+            <a:endParaRPr lang="en-US" dirty="0"/>
+          </a:p>
+        </p:txBody>
+      </p:sp>
+      <p:sp>
+        <p:nvSpPr>
+          <p:cNvPr id="6" name="Titolo 4">
+            <a:extLst>
+              <a:ext uri="{FF2B5EF4-FFF2-40B4-BE49-F238E27FC236}">
+                <a16:creationId xmlns:a16="http://schemas.microsoft.com/office/drawing/2014/main" id="{CF9A4806-60B4-80DC-1F76-D2EB3E6C376B}"/>
+              </a:ext>
+            </a:extLst>
+          </p:cNvPr>
+          <p:cNvSpPr>
+            <a:spLocks noGrp="1"/>
+          </p:cNvSpPr>
+          <p:nvPr>
+            <p:ph type="title"/>
+          </p:nvPr>
+        </p:nvSpPr>
+        <p:spPr>
+          <a:xfrm>
+            <a:off x="574294" y="-308667"/>
+            <a:ext cx="11269662" cy="1538883"/>
+          </a:xfrm>
+        </p:spPr>
+        <p:txBody>
+          <a:bodyPr/>
+          <a:lstStyle/>
+          <a:p>
+            <a:br>
+              <a:rPr lang="it-IT">
+                <a:solidFill>
+                  <a:schemeClr val="tx1"/>
+                </a:solidFill>
+                <a:latin typeface="Tahoma" panose="020B0604030504040204" pitchFamily="34" charset="0"/>
+                <a:ea typeface="Tahoma" panose="020B0604030504040204" pitchFamily="34" charset="0"/>
+                <a:cs typeface="Tahoma" panose="020B0604030504040204" pitchFamily="34" charset="0"/>
+              </a:rPr>
+            </a:br>
+            <a:br>
+              <a:rPr lang="it-IT">
+                <a:solidFill>
+                  <a:schemeClr val="tx1"/>
+                </a:solidFill>
+                <a:latin typeface="Tahoma" panose="020B0604030504040204" pitchFamily="34" charset="0"/>
+                <a:ea typeface="Tahoma" panose="020B0604030504040204" pitchFamily="34" charset="0"/>
+                <a:cs typeface="Tahoma" panose="020B0604030504040204" pitchFamily="34" charset="0"/>
+              </a:rPr>
+            </a:br>
+            <a:r>
+              <a:rPr lang="it-IT">
+                <a:solidFill>
+                  <a:schemeClr val="tx1"/>
+                </a:solidFill>
+                <a:latin typeface="Tahoma" panose="020B0604030504040204" pitchFamily="34" charset="0"/>
+                <a:ea typeface="Tahoma" panose="020B0604030504040204" pitchFamily="34" charset="0"/>
+                <a:cs typeface="Tahoma" panose="020B0604030504040204" pitchFamily="34" charset="0"/>
+              </a:rPr>
+              <a:t>Significato di Analisi e Progettazione</a:t>
+            </a:r>
+            <a:br>
+              <a:rPr lang="it-IT">
+                <a:solidFill>
+                  <a:schemeClr val="tx1"/>
+                </a:solidFill>
+                <a:latin typeface="Tahoma" panose="020B0604030504040204" pitchFamily="34" charset="0"/>
+                <a:ea typeface="Tahoma" panose="020B0604030504040204" pitchFamily="34" charset="0"/>
+                <a:cs typeface="Tahoma" panose="020B0604030504040204" pitchFamily="34" charset="0"/>
+              </a:rPr>
+            </a:br>
+            <a:endParaRPr lang="it-IT" dirty="0">
+              <a:solidFill>
+                <a:schemeClr val="tx1"/>
+              </a:solidFill>
+              <a:latin typeface="Tahoma" panose="020B0604030504040204" pitchFamily="34" charset="0"/>
+              <a:ea typeface="Tahoma" panose="020B0604030504040204" pitchFamily="34" charset="0"/>
+              <a:cs typeface="Tahoma" panose="020B0604030504040204" pitchFamily="34" charset="0"/>
+            </a:endParaRPr>
+          </a:p>
+        </p:txBody>
+      </p:sp>
+      <p:pic>
+        <p:nvPicPr>
+          <p:cNvPr id="5" name="Immagine 4">
+            <a:extLst>
+              <a:ext uri="{FF2B5EF4-FFF2-40B4-BE49-F238E27FC236}">
+                <a16:creationId xmlns:a16="http://schemas.microsoft.com/office/drawing/2014/main" id="{CE66CCC1-DDAC-C234-B7D6-6219347E66DA}"/>
+              </a:ext>
+            </a:extLst>
+          </p:cNvPr>
+          <p:cNvPicPr>
+            <a:picLocks noChangeAspect="1"/>
+          </p:cNvPicPr>
           <p:nvPr/>
-        </p:nvSpPr>
-        <p:spPr>
-          <a:xfrm>
-            <a:off x="825119" y="1557338"/>
-            <a:ext cx="6098344" cy="369332"/>
+        </p:nvPicPr>
+        <p:blipFill>
+          <a:blip r:embed="rId2"/>
+          <a:stretch>
+            <a:fillRect/>
+          </a:stretch>
+        </p:blipFill>
+        <p:spPr>
+          <a:xfrm>
+            <a:off x="4716462" y="1523302"/>
+            <a:ext cx="7005638" cy="5127838"/>
           </a:xfrm>
           <a:prstGeom prst="rect">
             <a:avLst/>
           </a:prstGeom>
-          <a:noFill/>
-        </p:spPr>
-        <p:txBody>
-          <a:bodyPr wrap="square">
-            <a:spAutoFit/>
-          </a:bodyPr>
-          <a:lstStyle/>
-          <a:p>
-            <a:r>
-              <a:rPr lang="it-IT"/>
-              <a:t>https://analisi-disegno.com/analisi/analisi-design/</a:t>
-            </a:r>
-          </a:p>
-        </p:txBody>
-      </p:sp>
+        </p:spPr>
+      </p:pic>
     </p:spTree>
     <p:extLst>
       <p:ext uri="{BB962C8B-B14F-4D97-AF65-F5344CB8AC3E}">
-        <p14:creationId xmlns:p14="http://schemas.microsoft.com/office/powerpoint/2010/main" val="3490964097"/>
+        <p14:creationId xmlns:p14="http://schemas.microsoft.com/office/powerpoint/2010/main" val="1028439024"/>
+      </p:ext>
+    </p:extLst>
+  </p:cSld>
+  <p:clrMapOvr>
+    <a:masterClrMapping/>
+  </p:clrMapOvr>
+</p:sld>
+</file>
+
+<file path=ppt/slides/slide9.xml><?xml version="1.0" encoding="utf-8"?>
+<p:sld xmlns:a="http://schemas.openxmlformats.org/drawingml/2006/main" xmlns:r="http://schemas.openxmlformats.org/officeDocument/2006/relationships" xmlns:p="http://schemas.openxmlformats.org/presentationml/2006/main">
+  <p:cSld>
+    <p:spTree>
+      <p:nvGrpSpPr>
+        <p:cNvPr id="1" name=""/>
+        <p:cNvGrpSpPr/>
+        <p:nvPr/>
+      </p:nvGrpSpPr>
+      <p:grpSpPr>
+        <a:xfrm>
+          <a:off x="0" y="0"/>
+          <a:ext cx="0" cy="0"/>
+          <a:chOff x="0" y="0"/>
+          <a:chExt cx="0" cy="0"/>
+        </a:xfrm>
+      </p:grpSpPr>
+      <p:sp>
+        <p:nvSpPr>
+          <p:cNvPr id="2" name="Segnaposto testo 1">
+            <a:extLst>
+              <a:ext uri="{FF2B5EF4-FFF2-40B4-BE49-F238E27FC236}">
+                <a16:creationId xmlns:a16="http://schemas.microsoft.com/office/drawing/2014/main" id="{E5AE986C-196F-4141-A898-FA4C4198CDCC}"/>
+              </a:ext>
+            </a:extLst>
+          </p:cNvPr>
+          <p:cNvSpPr>
+            <a:spLocks noGrp="1"/>
+          </p:cNvSpPr>
+          <p:nvPr>
+            <p:ph type="body" idx="1"/>
+          </p:nvPr>
+        </p:nvSpPr>
+        <p:spPr>
+          <a:xfrm>
+            <a:off x="825119" y="1523302"/>
+            <a:ext cx="5499481" cy="4392612"/>
+          </a:xfrm>
+        </p:spPr>
+        <p:txBody>
+          <a:bodyPr/>
+          <a:lstStyle/>
+          <a:p>
+            <a:pPr marL="342900" indent="-342900" algn="l" fontAlgn="base">
+              <a:buFont typeface="Wingdings" panose="05000000000000000000" pitchFamily="2" charset="2"/>
+              <a:buChar char="ü"/>
+            </a:pPr>
+            <a:r>
+              <a:rPr lang="it-IT" sz="2400">
+                <a:solidFill>
+                  <a:srgbClr val="202122"/>
+                </a:solidFill>
+                <a:latin typeface="Tahoma" panose="020B0604030504040204" pitchFamily="34" charset="0"/>
+                <a:ea typeface="Tahoma" panose="020B0604030504040204" pitchFamily="34" charset="0"/>
+                <a:cs typeface="Tahoma" panose="020B0604030504040204" pitchFamily="34" charset="0"/>
+              </a:rPr>
+              <a:t>Un </a:t>
+            </a:r>
+            <a:r>
+              <a:rPr lang="it-IT" sz="2400" b="1">
+                <a:solidFill>
+                  <a:srgbClr val="202122"/>
+                </a:solidFill>
+                <a:latin typeface="Tahoma" panose="020B0604030504040204" pitchFamily="34" charset="0"/>
+                <a:ea typeface="Tahoma" panose="020B0604030504040204" pitchFamily="34" charset="0"/>
+                <a:cs typeface="Tahoma" panose="020B0604030504040204" pitchFamily="34" charset="0"/>
+              </a:rPr>
+              <a:t>modello</a:t>
+            </a:r>
+            <a:r>
+              <a:rPr lang="it-IT" sz="2400">
+                <a:solidFill>
+                  <a:srgbClr val="202122"/>
+                </a:solidFill>
+                <a:latin typeface="Tahoma" panose="020B0604030504040204" pitchFamily="34" charset="0"/>
+                <a:ea typeface="Tahoma" panose="020B0604030504040204" pitchFamily="34" charset="0"/>
+                <a:cs typeface="Tahoma" panose="020B0604030504040204" pitchFamily="34" charset="0"/>
+              </a:rPr>
+              <a:t> è una rappresentazione </a:t>
+            </a:r>
+            <a:r>
+              <a:rPr lang="it-IT" sz="2400" b="1">
+                <a:solidFill>
+                  <a:srgbClr val="202122"/>
+                </a:solidFill>
+                <a:latin typeface="Tahoma" panose="020B0604030504040204" pitchFamily="34" charset="0"/>
+                <a:ea typeface="Tahoma" panose="020B0604030504040204" pitchFamily="34" charset="0"/>
+                <a:cs typeface="Tahoma" panose="020B0604030504040204" pitchFamily="34" charset="0"/>
+              </a:rPr>
+              <a:t>semplificata</a:t>
+            </a:r>
+            <a:r>
+              <a:rPr lang="it-IT" sz="2400">
+                <a:solidFill>
+                  <a:srgbClr val="202122"/>
+                </a:solidFill>
+                <a:latin typeface="Tahoma" panose="020B0604030504040204" pitchFamily="34" charset="0"/>
+                <a:ea typeface="Tahoma" panose="020B0604030504040204" pitchFamily="34" charset="0"/>
+                <a:cs typeface="Tahoma" panose="020B0604030504040204" pitchFamily="34" charset="0"/>
+              </a:rPr>
+              <a:t> della realtà che contiene </a:t>
+            </a:r>
+            <a:r>
+              <a:rPr lang="it-IT" sz="2400" b="1">
+                <a:solidFill>
+                  <a:srgbClr val="202122"/>
+                </a:solidFill>
+                <a:latin typeface="Tahoma" panose="020B0604030504040204" pitchFamily="34" charset="0"/>
+                <a:ea typeface="Tahoma" panose="020B0604030504040204" pitchFamily="34" charset="0"/>
+                <a:cs typeface="Tahoma" panose="020B0604030504040204" pitchFamily="34" charset="0"/>
+              </a:rPr>
+              <a:t>informazioni</a:t>
+            </a:r>
+            <a:r>
+              <a:rPr lang="it-IT" sz="2400">
+                <a:solidFill>
+                  <a:srgbClr val="202122"/>
+                </a:solidFill>
+                <a:latin typeface="Tahoma" panose="020B0604030504040204" pitchFamily="34" charset="0"/>
+                <a:ea typeface="Tahoma" panose="020B0604030504040204" pitchFamily="34" charset="0"/>
+                <a:cs typeface="Tahoma" panose="020B0604030504040204" pitchFamily="34" charset="0"/>
+              </a:rPr>
+              <a:t> ottenute focalizzando </a:t>
+            </a:r>
+            <a:r>
+              <a:rPr lang="it-IT" sz="2400" b="1">
+                <a:solidFill>
+                  <a:srgbClr val="202122"/>
+                </a:solidFill>
+                <a:latin typeface="Tahoma" panose="020B0604030504040204" pitchFamily="34" charset="0"/>
+                <a:ea typeface="Tahoma" panose="020B0604030504040204" pitchFamily="34" charset="0"/>
+                <a:cs typeface="Tahoma" panose="020B0604030504040204" pitchFamily="34" charset="0"/>
+              </a:rPr>
+              <a:t>l’attenzione</a:t>
+            </a:r>
+            <a:r>
+              <a:rPr lang="it-IT" sz="2400">
+                <a:solidFill>
+                  <a:srgbClr val="202122"/>
+                </a:solidFill>
+                <a:latin typeface="Tahoma" panose="020B0604030504040204" pitchFamily="34" charset="0"/>
+                <a:ea typeface="Tahoma" panose="020B0604030504040204" pitchFamily="34" charset="0"/>
+                <a:cs typeface="Tahoma" panose="020B0604030504040204" pitchFamily="34" charset="0"/>
+              </a:rPr>
+              <a:t> su alcuni aspetti cruciali e </a:t>
+            </a:r>
+            <a:r>
+              <a:rPr lang="it-IT" sz="2400" b="1">
+                <a:solidFill>
+                  <a:srgbClr val="202122"/>
+                </a:solidFill>
+                <a:latin typeface="Tahoma" panose="020B0604030504040204" pitchFamily="34" charset="0"/>
+                <a:ea typeface="Tahoma" panose="020B0604030504040204" pitchFamily="34" charset="0"/>
+                <a:cs typeface="Tahoma" panose="020B0604030504040204" pitchFamily="34" charset="0"/>
+              </a:rPr>
+              <a:t>ignorando</a:t>
+            </a:r>
+            <a:r>
+              <a:rPr lang="it-IT" sz="2400">
+                <a:solidFill>
+                  <a:srgbClr val="202122"/>
+                </a:solidFill>
+                <a:latin typeface="Tahoma" panose="020B0604030504040204" pitchFamily="34" charset="0"/>
+                <a:ea typeface="Tahoma" panose="020B0604030504040204" pitchFamily="34" charset="0"/>
+                <a:cs typeface="Tahoma" panose="020B0604030504040204" pitchFamily="34" charset="0"/>
+              </a:rPr>
+              <a:t> alcuni dettagli</a:t>
+            </a:r>
+          </a:p>
+          <a:p>
+            <a:pPr marL="342900" indent="-342900" algn="l" fontAlgn="base">
+              <a:buFont typeface="Wingdings" panose="05000000000000000000" pitchFamily="2" charset="2"/>
+              <a:buChar char="ü"/>
+            </a:pPr>
+            <a:r>
+              <a:rPr lang="it-IT" sz="2400">
+                <a:solidFill>
+                  <a:srgbClr val="202122"/>
+                </a:solidFill>
+                <a:latin typeface="Tahoma" panose="020B0604030504040204" pitchFamily="34" charset="0"/>
+                <a:ea typeface="Tahoma" panose="020B0604030504040204" pitchFamily="34" charset="0"/>
+                <a:cs typeface="Tahoma" panose="020B0604030504040204" pitchFamily="34" charset="0"/>
+              </a:rPr>
+              <a:t>Un </a:t>
+            </a:r>
+            <a:r>
+              <a:rPr lang="it-IT" sz="2400" b="1">
+                <a:solidFill>
+                  <a:srgbClr val="202122"/>
+                </a:solidFill>
+                <a:latin typeface="Tahoma" panose="020B0604030504040204" pitchFamily="34" charset="0"/>
+                <a:ea typeface="Tahoma" panose="020B0604030504040204" pitchFamily="34" charset="0"/>
+                <a:cs typeface="Tahoma" panose="020B0604030504040204" pitchFamily="34" charset="0"/>
+              </a:rPr>
+              <a:t>modello di unapplicazione</a:t>
+            </a:r>
+            <a:r>
+              <a:rPr lang="it-IT" sz="2400">
+                <a:solidFill>
+                  <a:srgbClr val="202122"/>
+                </a:solidFill>
+                <a:latin typeface="Tahoma" panose="020B0604030504040204" pitchFamily="34" charset="0"/>
+                <a:ea typeface="Tahoma" panose="020B0604030504040204" pitchFamily="34" charset="0"/>
+                <a:cs typeface="Tahoma" panose="020B0604030504040204" pitchFamily="34" charset="0"/>
+              </a:rPr>
+              <a:t> sw descrive e rappresenta in modo semplificato la sua </a:t>
+            </a:r>
+            <a:r>
+              <a:rPr lang="it-IT" sz="2400" b="1">
+                <a:solidFill>
+                  <a:srgbClr val="202122"/>
+                </a:solidFill>
+                <a:latin typeface="Tahoma" panose="020B0604030504040204" pitchFamily="34" charset="0"/>
+                <a:ea typeface="Tahoma" panose="020B0604030504040204" pitchFamily="34" charset="0"/>
+                <a:cs typeface="Tahoma" panose="020B0604030504040204" pitchFamily="34" charset="0"/>
+              </a:rPr>
+              <a:t>struttura</a:t>
+            </a:r>
+            <a:r>
+              <a:rPr lang="it-IT" sz="2400">
+                <a:solidFill>
+                  <a:srgbClr val="202122"/>
+                </a:solidFill>
+                <a:latin typeface="Tahoma" panose="020B0604030504040204" pitchFamily="34" charset="0"/>
+                <a:ea typeface="Tahoma" panose="020B0604030504040204" pitchFamily="34" charset="0"/>
+                <a:cs typeface="Tahoma" panose="020B0604030504040204" pitchFamily="34" charset="0"/>
+              </a:rPr>
+              <a:t> ed il suo </a:t>
+            </a:r>
+            <a:r>
+              <a:rPr lang="it-IT" sz="2400" b="1">
+                <a:solidFill>
+                  <a:srgbClr val="202122"/>
+                </a:solidFill>
+                <a:latin typeface="Tahoma" panose="020B0604030504040204" pitchFamily="34" charset="0"/>
+                <a:ea typeface="Tahoma" panose="020B0604030504040204" pitchFamily="34" charset="0"/>
+                <a:cs typeface="Tahoma" panose="020B0604030504040204" pitchFamily="34" charset="0"/>
+              </a:rPr>
+              <a:t>comportamento</a:t>
+            </a:r>
+          </a:p>
+        </p:txBody>
+      </p:sp>
+      <p:sp>
+        <p:nvSpPr>
+          <p:cNvPr id="7" name="Segnaposto numero diapositiva 6">
+            <a:extLst>
+              <a:ext uri="{FF2B5EF4-FFF2-40B4-BE49-F238E27FC236}">
+                <a16:creationId xmlns:a16="http://schemas.microsoft.com/office/drawing/2014/main" id="{AB740BE9-E218-4144-BFDE-AE473D230A3D}"/>
+              </a:ext>
+            </a:extLst>
+          </p:cNvPr>
+          <p:cNvSpPr>
+            <a:spLocks noGrp="1"/>
+          </p:cNvSpPr>
+          <p:nvPr>
+            <p:ph type="sldNum" sz="quarter" idx="12"/>
+          </p:nvPr>
+        </p:nvSpPr>
+        <p:spPr/>
+        <p:txBody>
+          <a:bodyPr/>
+          <a:lstStyle/>
+          <a:p>
+            <a:pPr>
+              <a:defRPr/>
+            </a:pPr>
+            <a:fld id="{48B4153A-D4C5-4CEF-8992-0D8815C829E3}" type="slidenum">
+              <a:rPr lang="en-US" smtClean="0"/>
+              <a:pPr>
+                <a:defRPr/>
+              </a:pPr>
+              <a:t>9</a:t>
+            </a:fld>
+            <a:endParaRPr lang="en-US" dirty="0"/>
+          </a:p>
+        </p:txBody>
+      </p:sp>
+      <p:sp>
+        <p:nvSpPr>
+          <p:cNvPr id="6" name="Titolo 4">
+            <a:extLst>
+              <a:ext uri="{FF2B5EF4-FFF2-40B4-BE49-F238E27FC236}">
+                <a16:creationId xmlns:a16="http://schemas.microsoft.com/office/drawing/2014/main" id="{CF9A4806-60B4-80DC-1F76-D2EB3E6C376B}"/>
+              </a:ext>
+            </a:extLst>
+          </p:cNvPr>
+          <p:cNvSpPr>
+            <a:spLocks noGrp="1"/>
+          </p:cNvSpPr>
+          <p:nvPr>
+            <p:ph type="title"/>
+          </p:nvPr>
+        </p:nvSpPr>
+        <p:spPr>
+          <a:xfrm>
+            <a:off x="574294" y="-308667"/>
+            <a:ext cx="11269662" cy="1538883"/>
+          </a:xfrm>
+        </p:spPr>
+        <p:txBody>
+          <a:bodyPr/>
+          <a:lstStyle/>
+          <a:p>
+            <a:br>
+              <a:rPr lang="it-IT">
+                <a:solidFill>
+                  <a:schemeClr val="tx1"/>
+                </a:solidFill>
+                <a:latin typeface="Tahoma" panose="020B0604030504040204" pitchFamily="34" charset="0"/>
+                <a:ea typeface="Tahoma" panose="020B0604030504040204" pitchFamily="34" charset="0"/>
+                <a:cs typeface="Tahoma" panose="020B0604030504040204" pitchFamily="34" charset="0"/>
+              </a:rPr>
+            </a:br>
+            <a:br>
+              <a:rPr lang="it-IT">
+                <a:solidFill>
+                  <a:schemeClr val="tx1"/>
+                </a:solidFill>
+                <a:latin typeface="Tahoma" panose="020B0604030504040204" pitchFamily="34" charset="0"/>
+                <a:ea typeface="Tahoma" panose="020B0604030504040204" pitchFamily="34" charset="0"/>
+                <a:cs typeface="Tahoma" panose="020B0604030504040204" pitchFamily="34" charset="0"/>
+              </a:rPr>
+            </a:br>
+            <a:r>
+              <a:rPr lang="it-IT">
+                <a:solidFill>
+                  <a:schemeClr val="tx1"/>
+                </a:solidFill>
+                <a:latin typeface="Tahoma" panose="020B0604030504040204" pitchFamily="34" charset="0"/>
+                <a:ea typeface="Tahoma" panose="020B0604030504040204" pitchFamily="34" charset="0"/>
+                <a:cs typeface="Tahoma" panose="020B0604030504040204" pitchFamily="34" charset="0"/>
+              </a:rPr>
+              <a:t>Significato di Analisi e Progettazione</a:t>
+            </a:r>
+            <a:br>
+              <a:rPr lang="it-IT">
+                <a:solidFill>
+                  <a:schemeClr val="tx1"/>
+                </a:solidFill>
+                <a:latin typeface="Tahoma" panose="020B0604030504040204" pitchFamily="34" charset="0"/>
+                <a:ea typeface="Tahoma" panose="020B0604030504040204" pitchFamily="34" charset="0"/>
+                <a:cs typeface="Tahoma" panose="020B0604030504040204" pitchFamily="34" charset="0"/>
+              </a:rPr>
+            </a:br>
+            <a:endParaRPr lang="it-IT" dirty="0">
+              <a:solidFill>
+                <a:schemeClr val="tx1"/>
+              </a:solidFill>
+              <a:latin typeface="Tahoma" panose="020B0604030504040204" pitchFamily="34" charset="0"/>
+              <a:ea typeface="Tahoma" panose="020B0604030504040204" pitchFamily="34" charset="0"/>
+              <a:cs typeface="Tahoma" panose="020B0604030504040204" pitchFamily="34" charset="0"/>
+            </a:endParaRPr>
+          </a:p>
+        </p:txBody>
+      </p:sp>
+      <p:pic>
+        <p:nvPicPr>
+          <p:cNvPr id="4" name="Immagine 3" descr="Immagine che contiene diagramma&#10;&#10;Descrizione generata automaticamente">
+            <a:extLst>
+              <a:ext uri="{FF2B5EF4-FFF2-40B4-BE49-F238E27FC236}">
+                <a16:creationId xmlns:a16="http://schemas.microsoft.com/office/drawing/2014/main" id="{FECEE23D-741F-4169-BCBC-CCAD799964FC}"/>
+              </a:ext>
+            </a:extLst>
+          </p:cNvPr>
+          <p:cNvPicPr>
+            <a:picLocks noChangeAspect="1"/>
+          </p:cNvPicPr>
+          <p:nvPr/>
+        </p:nvPicPr>
+        <p:blipFill>
+          <a:blip r:embed="rId2"/>
+          <a:stretch>
+            <a:fillRect/>
+          </a:stretch>
+        </p:blipFill>
+        <p:spPr>
+          <a:xfrm>
+            <a:off x="7531100" y="1493761"/>
+            <a:ext cx="2971800" cy="4409247"/>
+          </a:xfrm>
+          <a:prstGeom prst="rect">
+            <a:avLst/>
+          </a:prstGeom>
+        </p:spPr>
+      </p:pic>
+    </p:spTree>
+    <p:extLst>
+      <p:ext uri="{BB962C8B-B14F-4D97-AF65-F5344CB8AC3E}">
+        <p14:creationId xmlns:p14="http://schemas.microsoft.com/office/powerpoint/2010/main" val="3695206021"/>
       </p:ext>
     </p:extLst>
   </p:cSld>
@@ -9566,56 +11436,6 @@
 </file>
 
 <file path=customXml/item1.xml><?xml version="1.0" encoding="utf-8"?>
-<?mso-contentType ?>
-<spe:Receivers xmlns:spe="http://schemas.microsoft.com/sharepoint/events">
-  <Receiver>
-    <Name>Document ID Generator</Name>
-    <Synchronization>Synchronous</Synchronization>
-    <Type>10001</Type>
-    <SequenceNumber>1000</SequenceNumber>
-    <Url/>
-    <Assembly>Microsoft.Office.DocumentManagement, Version=15.0.0.0, Culture=neutral, PublicKeyToken=71e9bce111e9429c</Assembly>
-    <Class>Microsoft.Office.DocumentManagement.Internal.DocIdHandler</Class>
-    <Data/>
-    <Filter/>
-  </Receiver>
-  <Receiver>
-    <Name>Document ID Generator</Name>
-    <Synchronization>Synchronous</Synchronization>
-    <Type>10002</Type>
-    <SequenceNumber>1001</SequenceNumber>
-    <Url/>
-    <Assembly>Microsoft.Office.DocumentManagement, Version=15.0.0.0, Culture=neutral, PublicKeyToken=71e9bce111e9429c</Assembly>
-    <Class>Microsoft.Office.DocumentManagement.Internal.DocIdHandler</Class>
-    <Data/>
-    <Filter/>
-  </Receiver>
-  <Receiver>
-    <Name>Document ID Generator</Name>
-    <Synchronization>Synchronous</Synchronization>
-    <Type>10004</Type>
-    <SequenceNumber>1002</SequenceNumber>
-    <Url/>
-    <Assembly>Microsoft.Office.DocumentManagement, Version=15.0.0.0, Culture=neutral, PublicKeyToken=71e9bce111e9429c</Assembly>
-    <Class>Microsoft.Office.DocumentManagement.Internal.DocIdHandler</Class>
-    <Data/>
-    <Filter/>
-  </Receiver>
-  <Receiver>
-    <Name>Document ID Generator</Name>
-    <Synchronization>Synchronous</Synchronization>
-    <Type>10006</Type>
-    <SequenceNumber>1003</SequenceNumber>
-    <Url/>
-    <Assembly>Microsoft.Office.DocumentManagement, Version=15.0.0.0, Culture=neutral, PublicKeyToken=71e9bce111e9429c</Assembly>
-    <Class>Microsoft.Office.DocumentManagement.Internal.DocIdHandler</Class>
-    <Data/>
-    <Filter/>
-  </Receiver>
-</spe:Receivers>
-</file>
-
-<file path=customXml/item2.xml><?xml version="1.0" encoding="utf-8"?>
 <ct:contentTypeSchema xmlns:ct="http://schemas.microsoft.com/office/2006/metadata/contentType" xmlns:ma="http://schemas.microsoft.com/office/2006/metadata/properties/metaAttributes" ct:_="" ma:_="" ma:contentTypeName="Documento" ma:contentTypeID="0x010100661A2BE3120D674DA36C11D6006822D4" ma:contentTypeVersion="3" ma:contentTypeDescription="Creare un nuovo documento." ma:contentTypeScope="" ma:versionID="2ad8b07f9840a1ce9cd199d874146b74">
   <xsd:schema xmlns:xsd="http://www.w3.org/2001/XMLSchema" xmlns:xs="http://www.w3.org/2001/XMLSchema" xmlns:p="http://schemas.microsoft.com/office/2006/metadata/properties" xmlns:ns2="c58f2efd-82a8-4ecf-b395-8c25e928921d" xmlns:ns3="459159c4-d20a-4ff3-9b11-fbd127bd52e5" xmlns:ns4="679261c3-551f-4e86-913f-177e0e529669" targetNamespace="http://schemas.microsoft.com/office/2006/metadata/properties" ma:root="true" ma:fieldsID="fffb0e16fb90ffea59fef1085e90ecca" ns2:_="" ns3:_="" ns4:_="">
     <xsd:import namespace="c58f2efd-82a8-4ecf-b395-8c25e928921d"/>
@@ -9802,7 +11622,66 @@
 </ct:contentTypeSchema>
 </file>
 
+<file path=customXml/item2.xml><?xml version="1.0" encoding="utf-8"?>
+<?mso-contentType ?>
+<spe:Receivers xmlns:spe="http://schemas.microsoft.com/sharepoint/events">
+  <Receiver>
+    <Name>Document ID Generator</Name>
+    <Synchronization>Synchronous</Synchronization>
+    <Type>10001</Type>
+    <SequenceNumber>1000</SequenceNumber>
+    <Url/>
+    <Assembly>Microsoft.Office.DocumentManagement, Version=15.0.0.0, Culture=neutral, PublicKeyToken=71e9bce111e9429c</Assembly>
+    <Class>Microsoft.Office.DocumentManagement.Internal.DocIdHandler</Class>
+    <Data/>
+    <Filter/>
+  </Receiver>
+  <Receiver>
+    <Name>Document ID Generator</Name>
+    <Synchronization>Synchronous</Synchronization>
+    <Type>10002</Type>
+    <SequenceNumber>1001</SequenceNumber>
+    <Url/>
+    <Assembly>Microsoft.Office.DocumentManagement, Version=15.0.0.0, Culture=neutral, PublicKeyToken=71e9bce111e9429c</Assembly>
+    <Class>Microsoft.Office.DocumentManagement.Internal.DocIdHandler</Class>
+    <Data/>
+    <Filter/>
+  </Receiver>
+  <Receiver>
+    <Name>Document ID Generator</Name>
+    <Synchronization>Synchronous</Synchronization>
+    <Type>10004</Type>
+    <SequenceNumber>1002</SequenceNumber>
+    <Url/>
+    <Assembly>Microsoft.Office.DocumentManagement, Version=15.0.0.0, Culture=neutral, PublicKeyToken=71e9bce111e9429c</Assembly>
+    <Class>Microsoft.Office.DocumentManagement.Internal.DocIdHandler</Class>
+    <Data/>
+    <Filter/>
+  </Receiver>
+  <Receiver>
+    <Name>Document ID Generator</Name>
+    <Synchronization>Synchronous</Synchronization>
+    <Type>10006</Type>
+    <SequenceNumber>1003</SequenceNumber>
+    <Url/>
+    <Assembly>Microsoft.Office.DocumentManagement, Version=15.0.0.0, Culture=neutral, PublicKeyToken=71e9bce111e9429c</Assembly>
+    <Class>Microsoft.Office.DocumentManagement.Internal.DocIdHandler</Class>
+    <Data/>
+    <Filter/>
+  </Receiver>
+</spe:Receivers>
+</file>
+
 <file path=customXml/item3.xml><?xml version="1.0" encoding="utf-8"?>
+<?mso-contentType ?>
+<FormTemplates xmlns="http://schemas.microsoft.com/sharepoint/v3/contenttype/forms">
+  <Display>DocumentLibraryForm</Display>
+  <Edit>DocumentLibraryForm</Edit>
+  <New>DocumentLibraryForm</New>
+</FormTemplates>
+</file>
+
+<file path=customXml/item4.xml><?xml version="1.0" encoding="utf-8"?>
 <p:properties xmlns:p="http://schemas.microsoft.com/office/2006/metadata/properties" xmlns:xsi="http://www.w3.org/2001/XMLSchema-instance" xmlns:pc="http://schemas.microsoft.com/office/infopath/2007/PartnerControls">
   <documentManagement>
     <SottoCategoria xmlns="679261c3-551f-4e86-913f-177e0e529669">-</SottoCategoria>
@@ -9816,24 +11695,7 @@
 </p:properties>
 </file>
 
-<file path=customXml/item4.xml><?xml version="1.0" encoding="utf-8"?>
-<?mso-contentType ?>
-<FormTemplates xmlns="http://schemas.microsoft.com/sharepoint/v3/contenttype/forms">
-  <Display>DocumentLibraryForm</Display>
-  <Edit>DocumentLibraryForm</Edit>
-  <New>DocumentLibraryForm</New>
-</FormTemplates>
-</file>
-
 <file path=customXml/itemProps1.xml><?xml version="1.0" encoding="utf-8"?>
-<ds:datastoreItem xmlns:ds="http://schemas.openxmlformats.org/officeDocument/2006/customXml" ds:itemID="{D9296C4F-9DE9-4B43-AA80-1FC85656CFFA}">
-  <ds:schemaRefs>
-    <ds:schemaRef ds:uri="http://schemas.microsoft.com/sharepoint/events"/>
-  </ds:schemaRefs>
-</ds:datastoreItem>
-</file>
-
-<file path=customXml/itemProps2.xml><?xml version="1.0" encoding="utf-8"?>
 <ds:datastoreItem xmlns:ds="http://schemas.openxmlformats.org/officeDocument/2006/customXml" ds:itemID="{3F66F418-6054-4EA5-BF8E-6AF3CEAE6265}">
   <ds:schemaRefs>
     <ds:schemaRef ds:uri="http://schemas.microsoft.com/office/2006/metadata/contentType"/>
@@ -9853,7 +11715,23 @@
 </ds:datastoreItem>
 </file>
 
+<file path=customXml/itemProps2.xml><?xml version="1.0" encoding="utf-8"?>
+<ds:datastoreItem xmlns:ds="http://schemas.openxmlformats.org/officeDocument/2006/customXml" ds:itemID="{D9296C4F-9DE9-4B43-AA80-1FC85656CFFA}">
+  <ds:schemaRefs>
+    <ds:schemaRef ds:uri="http://schemas.microsoft.com/sharepoint/events"/>
+  </ds:schemaRefs>
+</ds:datastoreItem>
+</file>
+
 <file path=customXml/itemProps3.xml><?xml version="1.0" encoding="utf-8"?>
+<ds:datastoreItem xmlns:ds="http://schemas.openxmlformats.org/officeDocument/2006/customXml" ds:itemID="{BD9C238D-4D5C-4783-820B-4854DCE45D41}">
+  <ds:schemaRefs>
+    <ds:schemaRef ds:uri="http://schemas.microsoft.com/sharepoint/v3/contenttype/forms"/>
+  </ds:schemaRefs>
+</ds:datastoreItem>
+</file>
+
+<file path=customXml/itemProps4.xml><?xml version="1.0" encoding="utf-8"?>
 <ds:datastoreItem xmlns:ds="http://schemas.openxmlformats.org/officeDocument/2006/customXml" ds:itemID="{3EF378BC-F4D0-4510-B4EC-07B6EFE18CF8}">
   <ds:schemaRefs>
     <ds:schemaRef ds:uri="http://schemas.microsoft.com/office/infopath/2007/PartnerControls"/>
@@ -9869,12 +11747,4 @@
     <ds:schemaRef ds:uri="http://purl.org/dc/dcmitype/"/>
   </ds:schemaRefs>
 </ds:datastoreItem>
-</file>
-
-<file path=customXml/itemProps4.xml><?xml version="1.0" encoding="utf-8"?>
-<ds:datastoreItem xmlns:ds="http://schemas.openxmlformats.org/officeDocument/2006/customXml" ds:itemID="{BD9C238D-4D5C-4783-820B-4854DCE45D41}">
-  <ds:schemaRefs>
-    <ds:schemaRef ds:uri="http://schemas.microsoft.com/sharepoint/v3/contenttype/forms"/>
-  </ds:schemaRefs>
-</ds:datastoreItem>
 </file>
--- a/Assicurazioni/Analisi e progettazione del Software_ita.pptx
+++ b/Assicurazioni/Analisi e progettazione del Software_ita.pptx
@@ -277,7 +277,7 @@
               <a:pPr>
                 <a:defRPr/>
               </a:pPr>
-              <a:t>4/4/2023</a:t>
+              <a:t>4/7/2023</a:t>
             </a:fld>
             <a:endParaRPr lang="en-US"/>
           </a:p>
@@ -7209,7 +7209,7 @@
               <a:buAutoNum type="arabicPeriod"/>
             </a:pPr>
             <a:r>
-              <a:rPr lang="it-IT" sz="2400">
+              <a:rPr lang="it-IT" sz="2400" dirty="0">
                 <a:solidFill>
                   <a:srgbClr val="202122"/>
                 </a:solidFill>
@@ -7220,7 +7220,7 @@
               <a:t>La vista di </a:t>
             </a:r>
             <a:r>
-              <a:rPr lang="it-IT" sz="2400" b="1">
+              <a:rPr lang="it-IT" sz="2400" b="1" dirty="0">
                 <a:solidFill>
                   <a:srgbClr val="202122"/>
                 </a:solidFill>
@@ -7231,7 +7231,7 @@
               <a:t>contesto</a:t>
             </a:r>
             <a:r>
-              <a:rPr lang="it-IT" sz="2400">
+              <a:rPr lang="it-IT" sz="2400" dirty="0">
                 <a:solidFill>
                   <a:srgbClr val="202122"/>
                 </a:solidFill>
@@ -7239,16 +7239,10 @@
                 <a:ea typeface="Tahoma" panose="020B0604030504040204" pitchFamily="34" charset="0"/>
                 <a:cs typeface="Tahoma" panose="020B0604030504040204" pitchFamily="34" charset="0"/>
               </a:rPr>
-              <a:t> descrive ambito e scopo del sistema da progettare (es. “Vision document”)) </a:t>
-            </a:r>
-          </a:p>
-          <a:p>
-            <a:pPr marL="457200" indent="-457200" algn="l" fontAlgn="base">
-              <a:buFont typeface="+mj-lt"/>
-              <a:buAutoNum type="arabicPeriod"/>
-            </a:pPr>
-            <a:r>
-              <a:rPr lang="it-IT" sz="2400">
+              <a:t> descrive ambito e scopo del sistema da progettare (es. “Vision </a:t>
+            </a:r>
+            <a:r>
+              <a:rPr lang="it-IT" sz="2400" dirty="0" err="1">
                 <a:solidFill>
                   <a:srgbClr val="202122"/>
                 </a:solidFill>
@@ -7256,10 +7250,10 @@
                 <a:ea typeface="Tahoma" panose="020B0604030504040204" pitchFamily="34" charset="0"/>
                 <a:cs typeface="Tahoma" panose="020B0604030504040204" pitchFamily="34" charset="0"/>
               </a:rPr>
-              <a:t>La vista </a:t>
-            </a:r>
-            <a:r>
-              <a:rPr lang="it-IT" sz="2400" b="1">
+              <a:t>document</a:t>
+            </a:r>
+            <a:r>
+              <a:rPr lang="it-IT" sz="2400" dirty="0" smtClean="0">
                 <a:solidFill>
                   <a:srgbClr val="202122"/>
                 </a:solidFill>
@@ -7267,101 +7261,9 @@
                 <a:ea typeface="Tahoma" panose="020B0604030504040204" pitchFamily="34" charset="0"/>
                 <a:cs typeface="Tahoma" panose="020B0604030504040204" pitchFamily="34" charset="0"/>
               </a:rPr>
-              <a:t>funzionale</a:t>
-            </a:r>
-            <a:r>
-              <a:rPr lang="it-IT" sz="2400">
-                <a:solidFill>
-                  <a:srgbClr val="202122"/>
-                </a:solidFill>
-                <a:latin typeface="Tahoma" panose="020B0604030504040204" pitchFamily="34" charset="0"/>
-                <a:ea typeface="Tahoma" panose="020B0604030504040204" pitchFamily="34" charset="0"/>
-                <a:cs typeface="Tahoma" panose="020B0604030504040204" pitchFamily="34" charset="0"/>
-              </a:rPr>
-              <a:t> descrive la forma di un sistema in relazione allo scopo (es. “Documento dei Casi d’uso”) </a:t>
-            </a:r>
-          </a:p>
-          <a:p>
-            <a:pPr marL="457200" indent="-457200" fontAlgn="base">
-              <a:buFont typeface="+mj-lt"/>
-              <a:buAutoNum type="arabicPeriod"/>
-            </a:pPr>
-            <a:r>
-              <a:rPr lang="it-IT" sz="2400">
-                <a:solidFill>
-                  <a:srgbClr val="202122"/>
-                </a:solidFill>
-                <a:latin typeface="Tahoma" panose="020B0604030504040204" pitchFamily="34" charset="0"/>
-                <a:ea typeface="Tahoma" panose="020B0604030504040204" pitchFamily="34" charset="0"/>
-                <a:cs typeface="Tahoma" panose="020B0604030504040204" pitchFamily="34" charset="0"/>
-              </a:rPr>
-              <a:t>La vista </a:t>
-            </a:r>
-            <a:r>
-              <a:rPr lang="it-IT" sz="2400" b="1">
-                <a:solidFill>
-                  <a:srgbClr val="202122"/>
-                </a:solidFill>
-                <a:latin typeface="Tahoma" panose="020B0604030504040204" pitchFamily="34" charset="0"/>
-                <a:ea typeface="Tahoma" panose="020B0604030504040204" pitchFamily="34" charset="0"/>
-                <a:cs typeface="Tahoma" panose="020B0604030504040204" pitchFamily="34" charset="0"/>
-              </a:rPr>
-              <a:t>comportamentale</a:t>
-            </a:r>
-            <a:r>
-              <a:rPr lang="it-IT" sz="2400">
-                <a:solidFill>
-                  <a:srgbClr val="202122"/>
-                </a:solidFill>
-                <a:latin typeface="Tahoma" panose="020B0604030504040204" pitchFamily="34" charset="0"/>
-                <a:ea typeface="Tahoma" panose="020B0604030504040204" pitchFamily="34" charset="0"/>
-                <a:cs typeface="Tahoma" panose="020B0604030504040204" pitchFamily="34" charset="0"/>
-              </a:rPr>
-              <a:t> modella il comportamento di un sistema in relazione ai possibili input </a:t>
-            </a:r>
-          </a:p>
-          <a:p>
-            <a:pPr marL="457200" indent="-457200" fontAlgn="base">
-              <a:buFont typeface="+mj-lt"/>
-              <a:buAutoNum type="arabicPeriod"/>
-            </a:pPr>
-            <a:r>
-              <a:rPr lang="it-IT" sz="2400">
-                <a:solidFill>
-                  <a:srgbClr val="202122"/>
-                </a:solidFill>
-                <a:latin typeface="Tahoma" panose="020B0604030504040204" pitchFamily="34" charset="0"/>
-                <a:ea typeface="Tahoma" panose="020B0604030504040204" pitchFamily="34" charset="0"/>
-                <a:cs typeface="Tahoma" panose="020B0604030504040204" pitchFamily="34" charset="0"/>
-              </a:rPr>
-              <a:t>La vista </a:t>
-            </a:r>
-            <a:r>
-              <a:rPr lang="it-IT" sz="2400" b="1">
-                <a:solidFill>
-                  <a:srgbClr val="202122"/>
-                </a:solidFill>
-                <a:latin typeface="Tahoma" panose="020B0604030504040204" pitchFamily="34" charset="0"/>
-                <a:ea typeface="Tahoma" panose="020B0604030504040204" pitchFamily="34" charset="0"/>
-                <a:cs typeface="Tahoma" panose="020B0604030504040204" pitchFamily="34" charset="0"/>
-              </a:rPr>
-              <a:t>strutturale</a:t>
-            </a:r>
-            <a:r>
-              <a:rPr lang="it-IT" sz="2400">
-                <a:solidFill>
-                  <a:srgbClr val="202122"/>
-                </a:solidFill>
-                <a:latin typeface="Tahoma" panose="020B0604030504040204" pitchFamily="34" charset="0"/>
-                <a:ea typeface="Tahoma" panose="020B0604030504040204" pitchFamily="34" charset="0"/>
-                <a:cs typeface="Tahoma" panose="020B0604030504040204" pitchFamily="34" charset="0"/>
-              </a:rPr>
-              <a:t> modella i componenti di un sistema e le loro relazioni</a:t>
-            </a:r>
-          </a:p>
-          <a:p>
-            <a:pPr fontAlgn="base"/>
-            <a:endParaRPr lang="it-IT" sz="2400">
+              <a:t>”) </a:t>
+            </a:r>
+            <a:endParaRPr lang="it-IT" sz="2400" dirty="0">
               <a:solidFill>
                 <a:srgbClr val="202122"/>
               </a:solidFill>
@@ -7371,9 +7273,137 @@
             </a:endParaRPr>
           </a:p>
           <a:p>
+            <a:pPr marL="457200" indent="-457200" algn="l" fontAlgn="base">
+              <a:buFont typeface="+mj-lt"/>
+              <a:buAutoNum type="arabicPeriod"/>
+            </a:pPr>
+            <a:r>
+              <a:rPr lang="it-IT" sz="2400" dirty="0">
+                <a:solidFill>
+                  <a:srgbClr val="202122"/>
+                </a:solidFill>
+                <a:latin typeface="Tahoma" panose="020B0604030504040204" pitchFamily="34" charset="0"/>
+                <a:ea typeface="Tahoma" panose="020B0604030504040204" pitchFamily="34" charset="0"/>
+                <a:cs typeface="Tahoma" panose="020B0604030504040204" pitchFamily="34" charset="0"/>
+              </a:rPr>
+              <a:t>La vista </a:t>
+            </a:r>
+            <a:r>
+              <a:rPr lang="it-IT" sz="2400" b="1" dirty="0">
+                <a:solidFill>
+                  <a:srgbClr val="202122"/>
+                </a:solidFill>
+                <a:latin typeface="Tahoma" panose="020B0604030504040204" pitchFamily="34" charset="0"/>
+                <a:ea typeface="Tahoma" panose="020B0604030504040204" pitchFamily="34" charset="0"/>
+                <a:cs typeface="Tahoma" panose="020B0604030504040204" pitchFamily="34" charset="0"/>
+              </a:rPr>
+              <a:t>funzionale</a:t>
+            </a:r>
+            <a:r>
+              <a:rPr lang="it-IT" sz="2400" dirty="0">
+                <a:solidFill>
+                  <a:srgbClr val="202122"/>
+                </a:solidFill>
+                <a:latin typeface="Tahoma" panose="020B0604030504040204" pitchFamily="34" charset="0"/>
+                <a:ea typeface="Tahoma" panose="020B0604030504040204" pitchFamily="34" charset="0"/>
+                <a:cs typeface="Tahoma" panose="020B0604030504040204" pitchFamily="34" charset="0"/>
+              </a:rPr>
+              <a:t> descrive la forma di un sistema in relazione allo scopo (es. “Documento dei Casi d’uso”) </a:t>
+            </a:r>
+          </a:p>
+          <a:p>
+            <a:pPr marL="457200" indent="-457200" fontAlgn="base">
+              <a:buFont typeface="+mj-lt"/>
+              <a:buAutoNum type="arabicPeriod"/>
+            </a:pPr>
+            <a:r>
+              <a:rPr lang="it-IT" sz="2400" dirty="0">
+                <a:solidFill>
+                  <a:srgbClr val="202122"/>
+                </a:solidFill>
+                <a:latin typeface="Tahoma" panose="020B0604030504040204" pitchFamily="34" charset="0"/>
+                <a:ea typeface="Tahoma" panose="020B0604030504040204" pitchFamily="34" charset="0"/>
+                <a:cs typeface="Tahoma" panose="020B0604030504040204" pitchFamily="34" charset="0"/>
+              </a:rPr>
+              <a:t>La vista </a:t>
+            </a:r>
+            <a:r>
+              <a:rPr lang="it-IT" sz="2400" b="1" dirty="0">
+                <a:solidFill>
+                  <a:srgbClr val="202122"/>
+                </a:solidFill>
+                <a:latin typeface="Tahoma" panose="020B0604030504040204" pitchFamily="34" charset="0"/>
+                <a:ea typeface="Tahoma" panose="020B0604030504040204" pitchFamily="34" charset="0"/>
+                <a:cs typeface="Tahoma" panose="020B0604030504040204" pitchFamily="34" charset="0"/>
+              </a:rPr>
+              <a:t>comportamentale</a:t>
+            </a:r>
+            <a:r>
+              <a:rPr lang="it-IT" sz="2400" dirty="0">
+                <a:solidFill>
+                  <a:srgbClr val="202122"/>
+                </a:solidFill>
+                <a:latin typeface="Tahoma" panose="020B0604030504040204" pitchFamily="34" charset="0"/>
+                <a:ea typeface="Tahoma" panose="020B0604030504040204" pitchFamily="34" charset="0"/>
+                <a:cs typeface="Tahoma" panose="020B0604030504040204" pitchFamily="34" charset="0"/>
+              </a:rPr>
+              <a:t> modella il comportamento di un sistema in relazione ai possibili input </a:t>
+            </a:r>
+          </a:p>
+          <a:p>
+            <a:pPr marL="457200" indent="-457200" fontAlgn="base">
+              <a:buFont typeface="+mj-lt"/>
+              <a:buAutoNum type="arabicPeriod"/>
+            </a:pPr>
+            <a:r>
+              <a:rPr lang="it-IT" sz="2400" dirty="0">
+                <a:solidFill>
+                  <a:srgbClr val="202122"/>
+                </a:solidFill>
+                <a:latin typeface="Tahoma" panose="020B0604030504040204" pitchFamily="34" charset="0"/>
+                <a:ea typeface="Tahoma" panose="020B0604030504040204" pitchFamily="34" charset="0"/>
+                <a:cs typeface="Tahoma" panose="020B0604030504040204" pitchFamily="34" charset="0"/>
+              </a:rPr>
+              <a:t>La vista </a:t>
+            </a:r>
+            <a:r>
+              <a:rPr lang="it-IT" sz="2400" b="1" dirty="0">
+                <a:solidFill>
+                  <a:srgbClr val="202122"/>
+                </a:solidFill>
+                <a:latin typeface="Tahoma" panose="020B0604030504040204" pitchFamily="34" charset="0"/>
+                <a:ea typeface="Tahoma" panose="020B0604030504040204" pitchFamily="34" charset="0"/>
+                <a:cs typeface="Tahoma" panose="020B0604030504040204" pitchFamily="34" charset="0"/>
+              </a:rPr>
+              <a:t>strutturale</a:t>
+            </a:r>
+            <a:r>
+              <a:rPr lang="it-IT" sz="2400" dirty="0">
+                <a:solidFill>
+                  <a:srgbClr val="202122"/>
+                </a:solidFill>
+                <a:latin typeface="Tahoma" panose="020B0604030504040204" pitchFamily="34" charset="0"/>
+                <a:ea typeface="Tahoma" panose="020B0604030504040204" pitchFamily="34" charset="0"/>
+                <a:cs typeface="Tahoma" panose="020B0604030504040204" pitchFamily="34" charset="0"/>
+              </a:rPr>
+              <a:t> modella i componenti di un sistema e le loro relazioni</a:t>
+            </a:r>
+          </a:p>
+          <a:p>
             <a:pPr fontAlgn="base"/>
-            <a:r>
-              <a:rPr lang="it-IT" sz="2400">
+            <a:endParaRPr lang="it-IT" sz="2400" dirty="0">
+              <a:solidFill>
+                <a:srgbClr val="202122"/>
+              </a:solidFill>
+              <a:latin typeface="Tahoma" panose="020B0604030504040204" pitchFamily="34" charset="0"/>
+              <a:ea typeface="Tahoma" panose="020B0604030504040204" pitchFamily="34" charset="0"/>
+              <a:cs typeface="Tahoma" panose="020B0604030504040204" pitchFamily="34" charset="0"/>
+            </a:endParaRPr>
+          </a:p>
+          <a:p>
+            <a:pPr fontAlgn="base"/>
+            <a:r>
+              <a:rPr lang="it-IT" sz="2400" dirty="0">
                 <a:solidFill>
                   <a:srgbClr val="202122"/>
                 </a:solidFill>
@@ -7384,7 +7414,7 @@
               <a:t>Le prime due viste sono “</a:t>
             </a:r>
             <a:r>
-              <a:rPr lang="it-IT" sz="2400" b="1">
+              <a:rPr lang="it-IT" sz="2400" b="1" dirty="0">
                 <a:solidFill>
                   <a:srgbClr val="202122"/>
                 </a:solidFill>
@@ -7395,7 +7425,7 @@
               <a:t>soggettive</a:t>
             </a:r>
             <a:r>
-              <a:rPr lang="it-IT" sz="2400">
+              <a:rPr lang="it-IT" sz="2400" dirty="0">
                 <a:solidFill>
                   <a:srgbClr val="202122"/>
                 </a:solidFill>
@@ -7406,7 +7436,7 @@
               <a:t>” (descrivono le intenzioni del progettista), invece le seconde sono “</a:t>
             </a:r>
             <a:r>
-              <a:rPr lang="it-IT" sz="2400" b="1">
+              <a:rPr lang="it-IT" sz="2400" b="1" dirty="0">
                 <a:solidFill>
                   <a:srgbClr val="202122"/>
                 </a:solidFill>
@@ -7417,7 +7447,7 @@
               <a:t>oggettive</a:t>
             </a:r>
             <a:r>
-              <a:rPr lang="it-IT" sz="2400">
+              <a:rPr lang="it-IT" sz="2400" dirty="0">
                 <a:solidFill>
                   <a:srgbClr val="202122"/>
                 </a:solidFill>
@@ -8833,6 +8863,17 @@
           <a:bodyPr/>
           <a:lstStyle/>
           <a:p>
+            <a:r>
+              <a:rPr lang="it-IT">
+                <a:solidFill>
+                  <a:schemeClr val="tx1"/>
+                </a:solidFill>
+                <a:latin typeface="Tahoma" panose="020B0604030504040204" pitchFamily="34" charset="0"/>
+                <a:ea typeface="Tahoma" panose="020B0604030504040204" pitchFamily="34" charset="0"/>
+                <a:cs typeface="Tahoma" panose="020B0604030504040204" pitchFamily="34" charset="0"/>
+              </a:rPr>
+              <a:t/>
+            </a:r>
             <a:br>
               <a:rPr lang="it-IT">
                 <a:solidFill>
@@ -8843,6 +8884,17 @@
                 <a:cs typeface="Tahoma" panose="020B0604030504040204" pitchFamily="34" charset="0"/>
               </a:rPr>
             </a:br>
+            <a:r>
+              <a:rPr lang="it-IT">
+                <a:solidFill>
+                  <a:schemeClr val="tx1"/>
+                </a:solidFill>
+                <a:latin typeface="Tahoma" panose="020B0604030504040204" pitchFamily="34" charset="0"/>
+                <a:ea typeface="Tahoma" panose="020B0604030504040204" pitchFamily="34" charset="0"/>
+                <a:cs typeface="Tahoma" panose="020B0604030504040204" pitchFamily="34" charset="0"/>
+              </a:rPr>
+              <a:t/>
+            </a:r>
             <a:br>
               <a:rPr lang="it-IT">
                 <a:solidFill>
@@ -9188,6 +9240,17 @@
           <a:bodyPr/>
           <a:lstStyle/>
           <a:p>
+            <a:r>
+              <a:rPr lang="it-IT">
+                <a:solidFill>
+                  <a:schemeClr val="tx1"/>
+                </a:solidFill>
+                <a:latin typeface="Tahoma" panose="020B0604030504040204" pitchFamily="34" charset="0"/>
+                <a:ea typeface="Tahoma" panose="020B0604030504040204" pitchFamily="34" charset="0"/>
+                <a:cs typeface="Tahoma" panose="020B0604030504040204" pitchFamily="34" charset="0"/>
+              </a:rPr>
+              <a:t/>
+            </a:r>
             <a:br>
               <a:rPr lang="it-IT">
                 <a:solidFill>
@@ -9198,6 +9261,17 @@
                 <a:cs typeface="Tahoma" panose="020B0604030504040204" pitchFamily="34" charset="0"/>
               </a:rPr>
             </a:br>
+            <a:r>
+              <a:rPr lang="it-IT">
+                <a:solidFill>
+                  <a:schemeClr val="tx1"/>
+                </a:solidFill>
+                <a:latin typeface="Tahoma" panose="020B0604030504040204" pitchFamily="34" charset="0"/>
+                <a:ea typeface="Tahoma" panose="020B0604030504040204" pitchFamily="34" charset="0"/>
+                <a:cs typeface="Tahoma" panose="020B0604030504040204" pitchFamily="34" charset="0"/>
+              </a:rPr>
+              <a:t/>
+            </a:r>
             <a:br>
               <a:rPr lang="it-IT">
                 <a:solidFill>
@@ -9684,6 +9758,17 @@
           <a:bodyPr/>
           <a:lstStyle/>
           <a:p>
+            <a:r>
+              <a:rPr lang="it-IT">
+                <a:solidFill>
+                  <a:schemeClr val="tx1"/>
+                </a:solidFill>
+                <a:latin typeface="Tahoma" panose="020B0604030504040204" pitchFamily="34" charset="0"/>
+                <a:ea typeface="Tahoma" panose="020B0604030504040204" pitchFamily="34" charset="0"/>
+                <a:cs typeface="Tahoma" panose="020B0604030504040204" pitchFamily="34" charset="0"/>
+              </a:rPr>
+              <a:t/>
+            </a:r>
             <a:br>
               <a:rPr lang="it-IT">
                 <a:solidFill>
@@ -9694,6 +9779,17 @@
                 <a:cs typeface="Tahoma" panose="020B0604030504040204" pitchFamily="34" charset="0"/>
               </a:rPr>
             </a:br>
+            <a:r>
+              <a:rPr lang="it-IT">
+                <a:solidFill>
+                  <a:schemeClr val="tx1"/>
+                </a:solidFill>
+                <a:latin typeface="Tahoma" panose="020B0604030504040204" pitchFamily="34" charset="0"/>
+                <a:ea typeface="Tahoma" panose="020B0604030504040204" pitchFamily="34" charset="0"/>
+                <a:cs typeface="Tahoma" panose="020B0604030504040204" pitchFamily="34" charset="0"/>
+              </a:rPr>
+              <a:t/>
+            </a:r>
             <a:br>
               <a:rPr lang="it-IT">
                 <a:solidFill>
@@ -10050,6 +10146,17 @@
           <a:bodyPr/>
           <a:lstStyle/>
           <a:p>
+            <a:r>
+              <a:rPr lang="it-IT">
+                <a:solidFill>
+                  <a:schemeClr val="tx1"/>
+                </a:solidFill>
+                <a:latin typeface="Tahoma" panose="020B0604030504040204" pitchFamily="34" charset="0"/>
+                <a:ea typeface="Tahoma" panose="020B0604030504040204" pitchFamily="34" charset="0"/>
+                <a:cs typeface="Tahoma" panose="020B0604030504040204" pitchFamily="34" charset="0"/>
+              </a:rPr>
+              <a:t/>
+            </a:r>
             <a:br>
               <a:rPr lang="it-IT">
                 <a:solidFill>
@@ -10060,6 +10167,17 @@
                 <a:cs typeface="Tahoma" panose="020B0604030504040204" pitchFamily="34" charset="0"/>
               </a:rPr>
             </a:br>
+            <a:r>
+              <a:rPr lang="it-IT">
+                <a:solidFill>
+                  <a:schemeClr val="tx1"/>
+                </a:solidFill>
+                <a:latin typeface="Tahoma" panose="020B0604030504040204" pitchFamily="34" charset="0"/>
+                <a:ea typeface="Tahoma" panose="020B0604030504040204" pitchFamily="34" charset="0"/>
+                <a:cs typeface="Tahoma" panose="020B0604030504040204" pitchFamily="34" charset="0"/>
+              </a:rPr>
+              <a:t/>
+            </a:r>
             <a:br>
               <a:rPr lang="it-IT">
                 <a:solidFill>
@@ -10377,6 +10495,17 @@
           <a:bodyPr/>
           <a:lstStyle/>
           <a:p>
+            <a:r>
+              <a:rPr lang="it-IT">
+                <a:solidFill>
+                  <a:schemeClr val="tx1"/>
+                </a:solidFill>
+                <a:latin typeface="Tahoma" panose="020B0604030504040204" pitchFamily="34" charset="0"/>
+                <a:ea typeface="Tahoma" panose="020B0604030504040204" pitchFamily="34" charset="0"/>
+                <a:cs typeface="Tahoma" panose="020B0604030504040204" pitchFamily="34" charset="0"/>
+              </a:rPr>
+              <a:t/>
+            </a:r>
             <a:br>
               <a:rPr lang="it-IT">
                 <a:solidFill>
@@ -10387,6 +10516,17 @@
                 <a:cs typeface="Tahoma" panose="020B0604030504040204" pitchFamily="34" charset="0"/>
               </a:rPr>
             </a:br>
+            <a:r>
+              <a:rPr lang="it-IT">
+                <a:solidFill>
+                  <a:schemeClr val="tx1"/>
+                </a:solidFill>
+                <a:latin typeface="Tahoma" panose="020B0604030504040204" pitchFamily="34" charset="0"/>
+                <a:ea typeface="Tahoma" panose="020B0604030504040204" pitchFamily="34" charset="0"/>
+                <a:cs typeface="Tahoma" panose="020B0604030504040204" pitchFamily="34" charset="0"/>
+              </a:rPr>
+              <a:t/>
+            </a:r>
             <a:br>
               <a:rPr lang="it-IT">
                 <a:solidFill>
@@ -10776,6 +10916,17 @@
           <a:bodyPr/>
           <a:lstStyle/>
           <a:p>
+            <a:r>
+              <a:rPr lang="it-IT">
+                <a:solidFill>
+                  <a:schemeClr val="tx1"/>
+                </a:solidFill>
+                <a:latin typeface="Tahoma" panose="020B0604030504040204" pitchFamily="34" charset="0"/>
+                <a:ea typeface="Tahoma" panose="020B0604030504040204" pitchFamily="34" charset="0"/>
+                <a:cs typeface="Tahoma" panose="020B0604030504040204" pitchFamily="34" charset="0"/>
+              </a:rPr>
+              <a:t/>
+            </a:r>
             <a:br>
               <a:rPr lang="it-IT">
                 <a:solidFill>
@@ -10786,6 +10937,17 @@
                 <a:cs typeface="Tahoma" panose="020B0604030504040204" pitchFamily="34" charset="0"/>
               </a:rPr>
             </a:br>
+            <a:r>
+              <a:rPr lang="it-IT">
+                <a:solidFill>
+                  <a:schemeClr val="tx1"/>
+                </a:solidFill>
+                <a:latin typeface="Tahoma" panose="020B0604030504040204" pitchFamily="34" charset="0"/>
+                <a:ea typeface="Tahoma" panose="020B0604030504040204" pitchFamily="34" charset="0"/>
+                <a:cs typeface="Tahoma" panose="020B0604030504040204" pitchFamily="34" charset="0"/>
+              </a:rPr>
+              <a:t/>
+            </a:r>
             <a:br>
               <a:rPr lang="it-IT">
                 <a:solidFill>
@@ -11623,6 +11785,29 @@
 </file>
 
 <file path=customXml/item2.xml><?xml version="1.0" encoding="utf-8"?>
+<p:properties xmlns:p="http://schemas.microsoft.com/office/2006/metadata/properties" xmlns:xsi="http://www.w3.org/2001/XMLSchema-instance" xmlns:pc="http://schemas.microsoft.com/office/infopath/2007/PartnerControls">
+  <documentManagement>
+    <SottoCategoria xmlns="679261c3-551f-4e86-913f-177e0e529669">-</SottoCategoria>
+    <Categoria xmlns="c58f2efd-82a8-4ecf-b395-8c25e928921d">Power Point</Categoria>
+    <_dlc_DocId xmlns="459159c4-d20a-4ff3-9b11-fbd127bd52e5">INTRANET-14-158</_dlc_DocId>
+    <_dlc_DocIdUrl xmlns="459159c4-d20a-4ff3-9b11-fbd127bd52e5">
+      <Url>https://intranet.istat.it/Collaborativi/_layouts/15/DocIdRedir.aspx?ID=INTRANET-14-158</Url>
+      <Description>INTRANET-14-158</Description>
+    </_dlc_DocIdUrl>
+  </documentManagement>
+</p:properties>
+</file>
+
+<file path=customXml/item3.xml><?xml version="1.0" encoding="utf-8"?>
+<?mso-contentType ?>
+<FormTemplates xmlns="http://schemas.microsoft.com/sharepoint/v3/contenttype/forms">
+  <Display>DocumentLibraryForm</Display>
+  <Edit>DocumentLibraryForm</Edit>
+  <New>DocumentLibraryForm</New>
+</FormTemplates>
+</file>
+
+<file path=customXml/item4.xml><?xml version="1.0" encoding="utf-8"?>
 <?mso-contentType ?>
 <spe:Receivers xmlns:spe="http://schemas.microsoft.com/sharepoint/events">
   <Receiver>
@@ -11672,29 +11857,6 @@
 </spe:Receivers>
 </file>
 
-<file path=customXml/item3.xml><?xml version="1.0" encoding="utf-8"?>
-<?mso-contentType ?>
-<FormTemplates xmlns="http://schemas.microsoft.com/sharepoint/v3/contenttype/forms">
-  <Display>DocumentLibraryForm</Display>
-  <Edit>DocumentLibraryForm</Edit>
-  <New>DocumentLibraryForm</New>
-</FormTemplates>
-</file>
-
-<file path=customXml/item4.xml><?xml version="1.0" encoding="utf-8"?>
-<p:properties xmlns:p="http://schemas.microsoft.com/office/2006/metadata/properties" xmlns:xsi="http://www.w3.org/2001/XMLSchema-instance" xmlns:pc="http://schemas.microsoft.com/office/infopath/2007/PartnerControls">
-  <documentManagement>
-    <SottoCategoria xmlns="679261c3-551f-4e86-913f-177e0e529669">-</SottoCategoria>
-    <Categoria xmlns="c58f2efd-82a8-4ecf-b395-8c25e928921d">Power Point</Categoria>
-    <_dlc_DocId xmlns="459159c4-d20a-4ff3-9b11-fbd127bd52e5">INTRANET-14-158</_dlc_DocId>
-    <_dlc_DocIdUrl xmlns="459159c4-d20a-4ff3-9b11-fbd127bd52e5">
-      <Url>https://intranet.istat.it/Collaborativi/_layouts/15/DocIdRedir.aspx?ID=INTRANET-14-158</Url>
-      <Description>INTRANET-14-158</Description>
-    </_dlc_DocIdUrl>
-  </documentManagement>
-</p:properties>
-</file>
-
 <file path=customXml/itemProps1.xml><?xml version="1.0" encoding="utf-8"?>
 <ds:datastoreItem xmlns:ds="http://schemas.openxmlformats.org/officeDocument/2006/customXml" ds:itemID="{3F66F418-6054-4EA5-BF8E-6AF3CEAE6265}">
   <ds:schemaRefs>
@@ -11716,9 +11878,19 @@
 </file>
 
 <file path=customXml/itemProps2.xml><?xml version="1.0" encoding="utf-8"?>
-<ds:datastoreItem xmlns:ds="http://schemas.openxmlformats.org/officeDocument/2006/customXml" ds:itemID="{D9296C4F-9DE9-4B43-AA80-1FC85656CFFA}">
+<ds:datastoreItem xmlns:ds="http://schemas.openxmlformats.org/officeDocument/2006/customXml" ds:itemID="{3EF378BC-F4D0-4510-B4EC-07B6EFE18CF8}">
   <ds:schemaRefs>
-    <ds:schemaRef ds:uri="http://schemas.microsoft.com/sharepoint/events"/>
+    <ds:schemaRef ds:uri="http://purl.org/dc/dcmitype/"/>
+    <ds:schemaRef ds:uri="http://schemas.microsoft.com/office/2006/documentManagement/types"/>
+    <ds:schemaRef ds:uri="c58f2efd-82a8-4ecf-b395-8c25e928921d"/>
+    <ds:schemaRef ds:uri="http://schemas.microsoft.com/office/infopath/2007/PartnerControls"/>
+    <ds:schemaRef ds:uri="http://schemas.openxmlformats.org/package/2006/metadata/core-properties"/>
+    <ds:schemaRef ds:uri="679261c3-551f-4e86-913f-177e0e529669"/>
+    <ds:schemaRef ds:uri="http://purl.org/dc/elements/1.1/"/>
+    <ds:schemaRef ds:uri="http://purl.org/dc/terms/"/>
+    <ds:schemaRef ds:uri="459159c4-d20a-4ff3-9b11-fbd127bd52e5"/>
+    <ds:schemaRef ds:uri="http://schemas.microsoft.com/office/2006/metadata/properties"/>
+    <ds:schemaRef ds:uri="http://www.w3.org/XML/1998/namespace"/>
   </ds:schemaRefs>
 </ds:datastoreItem>
 </file>
@@ -11732,19 +11904,9 @@
 </file>
 
 <file path=customXml/itemProps4.xml><?xml version="1.0" encoding="utf-8"?>
-<ds:datastoreItem xmlns:ds="http://schemas.openxmlformats.org/officeDocument/2006/customXml" ds:itemID="{3EF378BC-F4D0-4510-B4EC-07B6EFE18CF8}">
+<ds:datastoreItem xmlns:ds="http://schemas.openxmlformats.org/officeDocument/2006/customXml" ds:itemID="{D9296C4F-9DE9-4B43-AA80-1FC85656CFFA}">
   <ds:schemaRefs>
-    <ds:schemaRef ds:uri="http://schemas.microsoft.com/office/infopath/2007/PartnerControls"/>
-    <ds:schemaRef ds:uri="http://purl.org/dc/elements/1.1/"/>
-    <ds:schemaRef ds:uri="http://schemas.microsoft.com/office/2006/metadata/properties"/>
-    <ds:schemaRef ds:uri="http://schemas.openxmlformats.org/package/2006/metadata/core-properties"/>
-    <ds:schemaRef ds:uri="http://purl.org/dc/terms/"/>
-    <ds:schemaRef ds:uri="679261c3-551f-4e86-913f-177e0e529669"/>
-    <ds:schemaRef ds:uri="459159c4-d20a-4ff3-9b11-fbd127bd52e5"/>
-    <ds:schemaRef ds:uri="http://schemas.microsoft.com/office/2006/documentManagement/types"/>
-    <ds:schemaRef ds:uri="c58f2efd-82a8-4ecf-b395-8c25e928921d"/>
-    <ds:schemaRef ds:uri="http://www.w3.org/XML/1998/namespace"/>
-    <ds:schemaRef ds:uri="http://purl.org/dc/dcmitype/"/>
+    <ds:schemaRef ds:uri="http://schemas.microsoft.com/sharepoint/events"/>
   </ds:schemaRefs>
 </ds:datastoreItem>
 </file>
--- a/Assicurazioni/Analisi e progettazione del Software_ita.pptx
+++ b/Assicurazioni/Analisi e progettazione del Software_ita.pptx
@@ -277,7 +277,7 @@
               <a:pPr>
                 <a:defRPr/>
               </a:pPr>
-              <a:t>4/7/2023</a:t>
+              <a:t>4/22/2023</a:t>
             </a:fld>
             <a:endParaRPr lang="en-US"/>
           </a:p>
@@ -7253,7 +7253,7 @@
               <a:t>document</a:t>
             </a:r>
             <a:r>
-              <a:rPr lang="it-IT" sz="2400" dirty="0" smtClean="0">
+              <a:rPr lang="it-IT" sz="2400" dirty="0">
                 <a:solidFill>
                   <a:srgbClr val="202122"/>
                 </a:solidFill>
@@ -7263,14 +7263,6 @@
               </a:rPr>
               <a:t>”) </a:t>
             </a:r>
-            <a:endParaRPr lang="it-IT" sz="2400" dirty="0">
-              <a:solidFill>
-                <a:srgbClr val="202122"/>
-              </a:solidFill>
-              <a:latin typeface="Tahoma" panose="020B0604030504040204" pitchFamily="34" charset="0"/>
-              <a:ea typeface="Tahoma" panose="020B0604030504040204" pitchFamily="34" charset="0"/>
-              <a:cs typeface="Tahoma" panose="020B0604030504040204" pitchFamily="34" charset="0"/>
-            </a:endParaRPr>
           </a:p>
           <a:p>
             <a:pPr marL="457200" indent="-457200" algn="l" fontAlgn="base">
@@ -8084,7 +8076,7 @@
                 <a:ea typeface="Tahoma" panose="020B0604030504040204" pitchFamily="34" charset="0"/>
                 <a:cs typeface="Tahoma" panose="020B0604030504040204" pitchFamily="34" charset="0"/>
               </a:rPr>
-              <a:t>, questa raccomandazione di metodo è entrata in crisi:</a:t>
+              <a:t>, questa raccomandazione di metodo è entrata in crisi.</a:t>
             </a:r>
           </a:p>
           <a:p>
@@ -8863,17 +8855,6 @@
           <a:bodyPr/>
           <a:lstStyle/>
           <a:p>
-            <a:r>
-              <a:rPr lang="it-IT">
-                <a:solidFill>
-                  <a:schemeClr val="tx1"/>
-                </a:solidFill>
-                <a:latin typeface="Tahoma" panose="020B0604030504040204" pitchFamily="34" charset="0"/>
-                <a:ea typeface="Tahoma" panose="020B0604030504040204" pitchFamily="34" charset="0"/>
-                <a:cs typeface="Tahoma" panose="020B0604030504040204" pitchFamily="34" charset="0"/>
-              </a:rPr>
-              <a:t/>
-            </a:r>
             <a:br>
               <a:rPr lang="it-IT">
                 <a:solidFill>
@@ -8884,17 +8865,6 @@
                 <a:cs typeface="Tahoma" panose="020B0604030504040204" pitchFamily="34" charset="0"/>
               </a:rPr>
             </a:br>
-            <a:r>
-              <a:rPr lang="it-IT">
-                <a:solidFill>
-                  <a:schemeClr val="tx1"/>
-                </a:solidFill>
-                <a:latin typeface="Tahoma" panose="020B0604030504040204" pitchFamily="34" charset="0"/>
-                <a:ea typeface="Tahoma" panose="020B0604030504040204" pitchFamily="34" charset="0"/>
-                <a:cs typeface="Tahoma" panose="020B0604030504040204" pitchFamily="34" charset="0"/>
-              </a:rPr>
-              <a:t/>
-            </a:r>
             <a:br>
               <a:rPr lang="it-IT">
                 <a:solidFill>
@@ -9102,7 +9072,7 @@
                 <a:ea typeface="Tahoma" panose="020B0604030504040204" pitchFamily="34" charset="0"/>
                 <a:cs typeface="Tahoma" panose="020B0604030504040204" pitchFamily="34" charset="0"/>
               </a:rPr>
-              <a:t> validazione e manutenzione.</a:t>
+              <a:t>validazione e manutenzione.</a:t>
             </a:r>
           </a:p>
           <a:p>
@@ -9240,17 +9210,6 @@
           <a:bodyPr/>
           <a:lstStyle/>
           <a:p>
-            <a:r>
-              <a:rPr lang="it-IT">
-                <a:solidFill>
-                  <a:schemeClr val="tx1"/>
-                </a:solidFill>
-                <a:latin typeface="Tahoma" panose="020B0604030504040204" pitchFamily="34" charset="0"/>
-                <a:ea typeface="Tahoma" panose="020B0604030504040204" pitchFamily="34" charset="0"/>
-                <a:cs typeface="Tahoma" panose="020B0604030504040204" pitchFamily="34" charset="0"/>
-              </a:rPr>
-              <a:t/>
-            </a:r>
             <a:br>
               <a:rPr lang="it-IT">
                 <a:solidFill>
@@ -9261,17 +9220,6 @@
                 <a:cs typeface="Tahoma" panose="020B0604030504040204" pitchFamily="34" charset="0"/>
               </a:rPr>
             </a:br>
-            <a:r>
-              <a:rPr lang="it-IT">
-                <a:solidFill>
-                  <a:schemeClr val="tx1"/>
-                </a:solidFill>
-                <a:latin typeface="Tahoma" panose="020B0604030504040204" pitchFamily="34" charset="0"/>
-                <a:ea typeface="Tahoma" panose="020B0604030504040204" pitchFamily="34" charset="0"/>
-                <a:cs typeface="Tahoma" panose="020B0604030504040204" pitchFamily="34" charset="0"/>
-              </a:rPr>
-              <a:t/>
-            </a:r>
             <a:br>
               <a:rPr lang="it-IT">
                 <a:solidFill>
@@ -9758,17 +9706,6 @@
           <a:bodyPr/>
           <a:lstStyle/>
           <a:p>
-            <a:r>
-              <a:rPr lang="it-IT">
-                <a:solidFill>
-                  <a:schemeClr val="tx1"/>
-                </a:solidFill>
-                <a:latin typeface="Tahoma" panose="020B0604030504040204" pitchFamily="34" charset="0"/>
-                <a:ea typeface="Tahoma" panose="020B0604030504040204" pitchFamily="34" charset="0"/>
-                <a:cs typeface="Tahoma" panose="020B0604030504040204" pitchFamily="34" charset="0"/>
-              </a:rPr>
-              <a:t/>
-            </a:r>
             <a:br>
               <a:rPr lang="it-IT">
                 <a:solidFill>
@@ -9779,17 +9716,6 @@
                 <a:cs typeface="Tahoma" panose="020B0604030504040204" pitchFamily="34" charset="0"/>
               </a:rPr>
             </a:br>
-            <a:r>
-              <a:rPr lang="it-IT">
-                <a:solidFill>
-                  <a:schemeClr val="tx1"/>
-                </a:solidFill>
-                <a:latin typeface="Tahoma" panose="020B0604030504040204" pitchFamily="34" charset="0"/>
-                <a:ea typeface="Tahoma" panose="020B0604030504040204" pitchFamily="34" charset="0"/>
-                <a:cs typeface="Tahoma" panose="020B0604030504040204" pitchFamily="34" charset="0"/>
-              </a:rPr>
-              <a:t/>
-            </a:r>
             <a:br>
               <a:rPr lang="it-IT">
                 <a:solidFill>
@@ -10146,17 +10072,6 @@
           <a:bodyPr/>
           <a:lstStyle/>
           <a:p>
-            <a:r>
-              <a:rPr lang="it-IT">
-                <a:solidFill>
-                  <a:schemeClr val="tx1"/>
-                </a:solidFill>
-                <a:latin typeface="Tahoma" panose="020B0604030504040204" pitchFamily="34" charset="0"/>
-                <a:ea typeface="Tahoma" panose="020B0604030504040204" pitchFamily="34" charset="0"/>
-                <a:cs typeface="Tahoma" panose="020B0604030504040204" pitchFamily="34" charset="0"/>
-              </a:rPr>
-              <a:t/>
-            </a:r>
             <a:br>
               <a:rPr lang="it-IT">
                 <a:solidFill>
@@ -10167,17 +10082,6 @@
                 <a:cs typeface="Tahoma" panose="020B0604030504040204" pitchFamily="34" charset="0"/>
               </a:rPr>
             </a:br>
-            <a:r>
-              <a:rPr lang="it-IT">
-                <a:solidFill>
-                  <a:schemeClr val="tx1"/>
-                </a:solidFill>
-                <a:latin typeface="Tahoma" panose="020B0604030504040204" pitchFamily="34" charset="0"/>
-                <a:ea typeface="Tahoma" panose="020B0604030504040204" pitchFamily="34" charset="0"/>
-                <a:cs typeface="Tahoma" panose="020B0604030504040204" pitchFamily="34" charset="0"/>
-              </a:rPr>
-              <a:t/>
-            </a:r>
             <a:br>
               <a:rPr lang="it-IT">
                 <a:solidFill>
@@ -10495,17 +10399,6 @@
           <a:bodyPr/>
           <a:lstStyle/>
           <a:p>
-            <a:r>
-              <a:rPr lang="it-IT">
-                <a:solidFill>
-                  <a:schemeClr val="tx1"/>
-                </a:solidFill>
-                <a:latin typeface="Tahoma" panose="020B0604030504040204" pitchFamily="34" charset="0"/>
-                <a:ea typeface="Tahoma" panose="020B0604030504040204" pitchFamily="34" charset="0"/>
-                <a:cs typeface="Tahoma" panose="020B0604030504040204" pitchFamily="34" charset="0"/>
-              </a:rPr>
-              <a:t/>
-            </a:r>
             <a:br>
               <a:rPr lang="it-IT">
                 <a:solidFill>
@@ -10516,17 +10409,6 @@
                 <a:cs typeface="Tahoma" panose="020B0604030504040204" pitchFamily="34" charset="0"/>
               </a:rPr>
             </a:br>
-            <a:r>
-              <a:rPr lang="it-IT">
-                <a:solidFill>
-                  <a:schemeClr val="tx1"/>
-                </a:solidFill>
-                <a:latin typeface="Tahoma" panose="020B0604030504040204" pitchFamily="34" charset="0"/>
-                <a:ea typeface="Tahoma" panose="020B0604030504040204" pitchFamily="34" charset="0"/>
-                <a:cs typeface="Tahoma" panose="020B0604030504040204" pitchFamily="34" charset="0"/>
-              </a:rPr>
-              <a:t/>
-            </a:r>
             <a:br>
               <a:rPr lang="it-IT">
                 <a:solidFill>
@@ -10806,7 +10688,7 @@
                 <a:ea typeface="Tahoma" panose="020B0604030504040204" pitchFamily="34" charset="0"/>
                 <a:cs typeface="Tahoma" panose="020B0604030504040204" pitchFamily="34" charset="0"/>
               </a:rPr>
-              <a:t>modello di unapplicazione</a:t>
+              <a:t>modello di un'applicazione</a:t>
             </a:r>
             <a:r>
               <a:rPr lang="it-IT" sz="2400">
@@ -10916,17 +10798,6 @@
           <a:bodyPr/>
           <a:lstStyle/>
           <a:p>
-            <a:r>
-              <a:rPr lang="it-IT">
-                <a:solidFill>
-                  <a:schemeClr val="tx1"/>
-                </a:solidFill>
-                <a:latin typeface="Tahoma" panose="020B0604030504040204" pitchFamily="34" charset="0"/>
-                <a:ea typeface="Tahoma" panose="020B0604030504040204" pitchFamily="34" charset="0"/>
-                <a:cs typeface="Tahoma" panose="020B0604030504040204" pitchFamily="34" charset="0"/>
-              </a:rPr>
-              <a:t/>
-            </a:r>
             <a:br>
               <a:rPr lang="it-IT">
                 <a:solidFill>
@@ -10937,17 +10808,6 @@
                 <a:cs typeface="Tahoma" panose="020B0604030504040204" pitchFamily="34" charset="0"/>
               </a:rPr>
             </a:br>
-            <a:r>
-              <a:rPr lang="it-IT">
-                <a:solidFill>
-                  <a:schemeClr val="tx1"/>
-                </a:solidFill>
-                <a:latin typeface="Tahoma" panose="020B0604030504040204" pitchFamily="34" charset="0"/>
-                <a:ea typeface="Tahoma" panose="020B0604030504040204" pitchFamily="34" charset="0"/>
-                <a:cs typeface="Tahoma" panose="020B0604030504040204" pitchFamily="34" charset="0"/>
-              </a:rPr>
-              <a:t/>
-            </a:r>
             <a:br>
               <a:rPr lang="it-IT">
                 <a:solidFill>
@@ -11598,6 +11458,20 @@
 </file>
 
 <file path=customXml/item1.xml><?xml version="1.0" encoding="utf-8"?>
+<p:properties xmlns:p="http://schemas.microsoft.com/office/2006/metadata/properties" xmlns:xsi="http://www.w3.org/2001/XMLSchema-instance" xmlns:pc="http://schemas.microsoft.com/office/infopath/2007/PartnerControls">
+  <documentManagement>
+    <SottoCategoria xmlns="679261c3-551f-4e86-913f-177e0e529669">-</SottoCategoria>
+    <Categoria xmlns="c58f2efd-82a8-4ecf-b395-8c25e928921d">Power Point</Categoria>
+    <_dlc_DocId xmlns="459159c4-d20a-4ff3-9b11-fbd127bd52e5">INTRANET-14-158</_dlc_DocId>
+    <_dlc_DocIdUrl xmlns="459159c4-d20a-4ff3-9b11-fbd127bd52e5">
+      <Url>https://intranet.istat.it/Collaborativi/_layouts/15/DocIdRedir.aspx?ID=INTRANET-14-158</Url>
+      <Description>INTRANET-14-158</Description>
+    </_dlc_DocIdUrl>
+  </documentManagement>
+</p:properties>
+</file>
+
+<file path=customXml/item2.xml><?xml version="1.0" encoding="utf-8"?>
 <ct:contentTypeSchema xmlns:ct="http://schemas.microsoft.com/office/2006/metadata/contentType" xmlns:ma="http://schemas.microsoft.com/office/2006/metadata/properties/metaAttributes" ct:_="" ma:_="" ma:contentTypeName="Documento" ma:contentTypeID="0x010100661A2BE3120D674DA36C11D6006822D4" ma:contentTypeVersion="3" ma:contentTypeDescription="Creare un nuovo documento." ma:contentTypeScope="" ma:versionID="2ad8b07f9840a1ce9cd199d874146b74">
   <xsd:schema xmlns:xsd="http://www.w3.org/2001/XMLSchema" xmlns:xs="http://www.w3.org/2001/XMLSchema" xmlns:p="http://schemas.microsoft.com/office/2006/metadata/properties" xmlns:ns2="c58f2efd-82a8-4ecf-b395-8c25e928921d" xmlns:ns3="459159c4-d20a-4ff3-9b11-fbd127bd52e5" xmlns:ns4="679261c3-551f-4e86-913f-177e0e529669" targetNamespace="http://schemas.microsoft.com/office/2006/metadata/properties" ma:root="true" ma:fieldsID="fffb0e16fb90ffea59fef1085e90ecca" ns2:_="" ns3:_="" ns4:_="">
     <xsd:import namespace="c58f2efd-82a8-4ecf-b395-8c25e928921d"/>
@@ -11784,30 +11658,7 @@
 </ct:contentTypeSchema>
 </file>
 
-<file path=customXml/item2.xml><?xml version="1.0" encoding="utf-8"?>
-<p:properties xmlns:p="http://schemas.microsoft.com/office/2006/metadata/properties" xmlns:xsi="http://www.w3.org/2001/XMLSchema-instance" xmlns:pc="http://schemas.microsoft.com/office/infopath/2007/PartnerControls">
-  <documentManagement>
-    <SottoCategoria xmlns="679261c3-551f-4e86-913f-177e0e529669">-</SottoCategoria>
-    <Categoria xmlns="c58f2efd-82a8-4ecf-b395-8c25e928921d">Power Point</Categoria>
-    <_dlc_DocId xmlns="459159c4-d20a-4ff3-9b11-fbd127bd52e5">INTRANET-14-158</_dlc_DocId>
-    <_dlc_DocIdUrl xmlns="459159c4-d20a-4ff3-9b11-fbd127bd52e5">
-      <Url>https://intranet.istat.it/Collaborativi/_layouts/15/DocIdRedir.aspx?ID=INTRANET-14-158</Url>
-      <Description>INTRANET-14-158</Description>
-    </_dlc_DocIdUrl>
-  </documentManagement>
-</p:properties>
-</file>
-
 <file path=customXml/item3.xml><?xml version="1.0" encoding="utf-8"?>
-<?mso-contentType ?>
-<FormTemplates xmlns="http://schemas.microsoft.com/sharepoint/v3/contenttype/forms">
-  <Display>DocumentLibraryForm</Display>
-  <Edit>DocumentLibraryForm</Edit>
-  <New>DocumentLibraryForm</New>
-</FormTemplates>
-</file>
-
-<file path=customXml/item4.xml><?xml version="1.0" encoding="utf-8"?>
 <?mso-contentType ?>
 <spe:Receivers xmlns:spe="http://schemas.microsoft.com/sharepoint/events">
   <Receiver>
@@ -11857,7 +11708,34 @@
 </spe:Receivers>
 </file>
 
+<file path=customXml/item4.xml><?xml version="1.0" encoding="utf-8"?>
+<?mso-contentType ?>
+<FormTemplates xmlns="http://schemas.microsoft.com/sharepoint/v3/contenttype/forms">
+  <Display>DocumentLibraryForm</Display>
+  <Edit>DocumentLibraryForm</Edit>
+  <New>DocumentLibraryForm</New>
+</FormTemplates>
+</file>
+
 <file path=customXml/itemProps1.xml><?xml version="1.0" encoding="utf-8"?>
+<ds:datastoreItem xmlns:ds="http://schemas.openxmlformats.org/officeDocument/2006/customXml" ds:itemID="{3EF378BC-F4D0-4510-B4EC-07B6EFE18CF8}">
+  <ds:schemaRefs>
+    <ds:schemaRef ds:uri="http://purl.org/dc/dcmitype/"/>
+    <ds:schemaRef ds:uri="http://schemas.microsoft.com/office/2006/documentManagement/types"/>
+    <ds:schemaRef ds:uri="c58f2efd-82a8-4ecf-b395-8c25e928921d"/>
+    <ds:schemaRef ds:uri="http://schemas.microsoft.com/office/infopath/2007/PartnerControls"/>
+    <ds:schemaRef ds:uri="http://schemas.openxmlformats.org/package/2006/metadata/core-properties"/>
+    <ds:schemaRef ds:uri="679261c3-551f-4e86-913f-177e0e529669"/>
+    <ds:schemaRef ds:uri="http://purl.org/dc/elements/1.1/"/>
+    <ds:schemaRef ds:uri="http://purl.org/dc/terms/"/>
+    <ds:schemaRef ds:uri="459159c4-d20a-4ff3-9b11-fbd127bd52e5"/>
+    <ds:schemaRef ds:uri="http://schemas.microsoft.com/office/2006/metadata/properties"/>
+    <ds:schemaRef ds:uri="http://www.w3.org/XML/1998/namespace"/>
+  </ds:schemaRefs>
+</ds:datastoreItem>
+</file>
+
+<file path=customXml/itemProps2.xml><?xml version="1.0" encoding="utf-8"?>
 <ds:datastoreItem xmlns:ds="http://schemas.openxmlformats.org/officeDocument/2006/customXml" ds:itemID="{3F66F418-6054-4EA5-BF8E-6AF3CEAE6265}">
   <ds:schemaRefs>
     <ds:schemaRef ds:uri="http://schemas.microsoft.com/office/2006/metadata/contentType"/>
@@ -11877,36 +11755,18 @@
 </ds:datastoreItem>
 </file>
 
-<file path=customXml/itemProps2.xml><?xml version="1.0" encoding="utf-8"?>
-<ds:datastoreItem xmlns:ds="http://schemas.openxmlformats.org/officeDocument/2006/customXml" ds:itemID="{3EF378BC-F4D0-4510-B4EC-07B6EFE18CF8}">
+<file path=customXml/itemProps3.xml><?xml version="1.0" encoding="utf-8"?>
+<ds:datastoreItem xmlns:ds="http://schemas.openxmlformats.org/officeDocument/2006/customXml" ds:itemID="{D9296C4F-9DE9-4B43-AA80-1FC85656CFFA}">
   <ds:schemaRefs>
-    <ds:schemaRef ds:uri="http://purl.org/dc/dcmitype/"/>
-    <ds:schemaRef ds:uri="http://schemas.microsoft.com/office/2006/documentManagement/types"/>
-    <ds:schemaRef ds:uri="c58f2efd-82a8-4ecf-b395-8c25e928921d"/>
-    <ds:schemaRef ds:uri="http://schemas.microsoft.com/office/infopath/2007/PartnerControls"/>
-    <ds:schemaRef ds:uri="http://schemas.openxmlformats.org/package/2006/metadata/core-properties"/>
-    <ds:schemaRef ds:uri="679261c3-551f-4e86-913f-177e0e529669"/>
-    <ds:schemaRef ds:uri="http://purl.org/dc/elements/1.1/"/>
-    <ds:schemaRef ds:uri="http://purl.org/dc/terms/"/>
-    <ds:schemaRef ds:uri="459159c4-d20a-4ff3-9b11-fbd127bd52e5"/>
-    <ds:schemaRef ds:uri="http://schemas.microsoft.com/office/2006/metadata/properties"/>
-    <ds:schemaRef ds:uri="http://www.w3.org/XML/1998/namespace"/>
+    <ds:schemaRef ds:uri="http://schemas.microsoft.com/sharepoint/events"/>
   </ds:schemaRefs>
 </ds:datastoreItem>
 </file>
 
-<file path=customXml/itemProps3.xml><?xml version="1.0" encoding="utf-8"?>
+<file path=customXml/itemProps4.xml><?xml version="1.0" encoding="utf-8"?>
 <ds:datastoreItem xmlns:ds="http://schemas.openxmlformats.org/officeDocument/2006/customXml" ds:itemID="{BD9C238D-4D5C-4783-820B-4854DCE45D41}">
   <ds:schemaRefs>
     <ds:schemaRef ds:uri="http://schemas.microsoft.com/sharepoint/v3/contenttype/forms"/>
   </ds:schemaRefs>
 </ds:datastoreItem>
-</file>
-
-<file path=customXml/itemProps4.xml><?xml version="1.0" encoding="utf-8"?>
-<ds:datastoreItem xmlns:ds="http://schemas.openxmlformats.org/officeDocument/2006/customXml" ds:itemID="{D9296C4F-9DE9-4B43-AA80-1FC85656CFFA}">
-  <ds:schemaRefs>
-    <ds:schemaRef ds:uri="http://schemas.microsoft.com/sharepoint/events"/>
-  </ds:schemaRefs>
-</ds:datastoreItem>
 </file>